--- a/html/Kendo UI.pptx
+++ b/html/Kendo UI.pptx
@@ -5,12 +5,20 @@
     <p:sldMasterId id="2147483708" r:id="rId1"/>
   </p:sldMasterIdLst>
   <p:notesMasterIdLst>
-    <p:notesMasterId r:id="rId5"/>
+    <p:notesMasterId r:id="rId13"/>
   </p:notesMasterIdLst>
   <p:sldIdLst>
     <p:sldId id="259" r:id="rId2"/>
     <p:sldId id="257" r:id="rId3"/>
     <p:sldId id="258" r:id="rId4"/>
+    <p:sldId id="260" r:id="rId5"/>
+    <p:sldId id="261" r:id="rId6"/>
+    <p:sldId id="262" r:id="rId7"/>
+    <p:sldId id="263" r:id="rId8"/>
+    <p:sldId id="264" r:id="rId9"/>
+    <p:sldId id="265" r:id="rId10"/>
+    <p:sldId id="266" r:id="rId11"/>
+    <p:sldId id="267" r:id="rId12"/>
   </p:sldIdLst>
   <p:sldSz cx="9144000" cy="6858000" type="screen4x3"/>
   <p:notesSz cx="6858000" cy="9144000"/>
@@ -194,7 +202,7 @@
           <a:p>
             <a:fld id="{A3EEF1FE-4C3E-4A42-AC59-1D96E84B9F9E}" type="datetimeFigureOut">
               <a:rPr lang="en-GB" smtClean="0"/>
-              <a:t>01/02/2015</a:t>
+              <a:t>08/02/2015</a:t>
             </a:fld>
             <a:endParaRPr lang="en-GB"/>
           </a:p>
@@ -546,6 +554,127 @@
 </p:notes>
 </file>
 
+<file path=ppt/notesSlides/notesSlide10.xml><?xml version="1.0" encoding="utf-8"?>
+<p:notes xmlns:a="http://schemas.openxmlformats.org/drawingml/2006/main" xmlns:r="http://schemas.openxmlformats.org/officeDocument/2006/relationships" xmlns:p="http://schemas.openxmlformats.org/presentationml/2006/main">
+  <p:cSld>
+    <p:spTree>
+      <p:nvGrpSpPr>
+        <p:cNvPr id="1" name=""/>
+        <p:cNvGrpSpPr/>
+        <p:nvPr/>
+      </p:nvGrpSpPr>
+      <p:grpSpPr>
+        <a:xfrm>
+          <a:off x="0" y="0"/>
+          <a:ext cx="0" cy="0"/>
+          <a:chOff x="0" y="0"/>
+          <a:chExt cx="0" cy="0"/>
+        </a:xfrm>
+      </p:grpSpPr>
+      <p:sp>
+        <p:nvSpPr>
+          <p:cNvPr id="2" name="Slide Image Placeholder 1"/>
+          <p:cNvSpPr>
+            <a:spLocks noGrp="1" noRot="1" noChangeAspect="1"/>
+          </p:cNvSpPr>
+          <p:nvPr>
+            <p:ph type="sldImg"/>
+          </p:nvPr>
+        </p:nvSpPr>
+        <p:spPr/>
+      </p:sp>
+      <p:sp>
+        <p:nvSpPr>
+          <p:cNvPr id="3" name="Notes Placeholder 2"/>
+          <p:cNvSpPr>
+            <a:spLocks noGrp="1"/>
+          </p:cNvSpPr>
+          <p:nvPr>
+            <p:ph type="body" idx="1"/>
+          </p:nvPr>
+        </p:nvSpPr>
+        <p:spPr/>
+        <p:txBody>
+          <a:bodyPr/>
+          <a:lstStyle/>
+          <a:p>
+            <a:r>
+              <a:rPr lang="en-US" dirty="0" smtClean="0"/>
+              <a:t>Multiple items</a:t>
+            </a:r>
+          </a:p>
+          <a:p>
+            <a:r>
+              <a:rPr lang="en-US" dirty="0" smtClean="0"/>
+              <a:t>Chaining</a:t>
+            </a:r>
+          </a:p>
+          <a:p>
+            <a:r>
+              <a:rPr lang="en-US" dirty="0" smtClean="0"/>
+              <a:t>Avoid duplicate</a:t>
+            </a:r>
+            <a:r>
+              <a:rPr lang="en-US" baseline="0" dirty="0" smtClean="0"/>
+              <a:t> initialization </a:t>
+            </a:r>
+          </a:p>
+          <a:p>
+            <a:r>
+              <a:rPr lang="en-US" dirty="0" smtClean="0"/>
+              <a:t>Obtain</a:t>
+            </a:r>
+            <a:r>
+              <a:rPr lang="en-US" baseline="0" dirty="0" smtClean="0"/>
+              <a:t> a reference using </a:t>
+            </a:r>
+            <a:r>
+              <a:rPr lang="en-US" baseline="0" dirty="0" err="1" smtClean="0"/>
+              <a:t>jquery</a:t>
+            </a:r>
+            <a:endParaRPr lang="en-GB" smtClean="0"/>
+          </a:p>
+          <a:p>
+            <a:endParaRPr lang="en-GB"/>
+          </a:p>
+        </p:txBody>
+      </p:sp>
+      <p:sp>
+        <p:nvSpPr>
+          <p:cNvPr id="4" name="Slide Number Placeholder 3"/>
+          <p:cNvSpPr>
+            <a:spLocks noGrp="1"/>
+          </p:cNvSpPr>
+          <p:nvPr>
+            <p:ph type="sldNum" sz="quarter" idx="10"/>
+          </p:nvPr>
+        </p:nvSpPr>
+        <p:spPr/>
+        <p:txBody>
+          <a:bodyPr/>
+          <a:lstStyle/>
+          <a:p>
+            <a:fld id="{DC2CACC7-154D-45B0-B133-967779606221}" type="slidenum">
+              <a:rPr lang="en-GB" smtClean="0"/>
+              <a:t>11</a:t>
+            </a:fld>
+            <a:endParaRPr lang="en-GB"/>
+          </a:p>
+        </p:txBody>
+      </p:sp>
+    </p:spTree>
+    <p:extLst>
+      <p:ext uri="{BB962C8B-B14F-4D97-AF65-F5344CB8AC3E}">
+        <p14:creationId xmlns:p14="http://schemas.microsoft.com/office/powerpoint/2010/main" val="3503243378"/>
+      </p:ext>
+    </p:extLst>
+  </p:cSld>
+  <p:clrMapOvr>
+    <a:masterClrMapping/>
+  </p:clrMapOvr>
+</p:notes>
+</file>
+
 <file path=ppt/notesSlides/notesSlide2.xml><?xml version="1.0" encoding="utf-8"?>
 <p:notes xmlns:a="http://schemas.openxmlformats.org/drawingml/2006/main" xmlns:r="http://schemas.openxmlformats.org/officeDocument/2006/relationships" xmlns:p="http://schemas.openxmlformats.org/presentationml/2006/main">
   <p:cSld>
@@ -590,6 +719,90 @@
           <a:bodyPr/>
           <a:lstStyle/>
           <a:p>
+            <a:endParaRPr lang="en-GB" dirty="0"/>
+          </a:p>
+        </p:txBody>
+      </p:sp>
+      <p:sp>
+        <p:nvSpPr>
+          <p:cNvPr id="4" name="Slide Number Placeholder 3"/>
+          <p:cNvSpPr>
+            <a:spLocks noGrp="1"/>
+          </p:cNvSpPr>
+          <p:nvPr>
+            <p:ph type="sldNum" sz="quarter" idx="10"/>
+          </p:nvPr>
+        </p:nvSpPr>
+        <p:spPr/>
+        <p:txBody>
+          <a:bodyPr/>
+          <a:lstStyle/>
+          <a:p>
+            <a:fld id="{DC2CACC7-154D-45B0-B133-967779606221}" type="slidenum">
+              <a:rPr lang="en-GB" smtClean="0"/>
+              <a:t>2</a:t>
+            </a:fld>
+            <a:endParaRPr lang="en-GB"/>
+          </a:p>
+        </p:txBody>
+      </p:sp>
+    </p:spTree>
+    <p:extLst>
+      <p:ext uri="{BB962C8B-B14F-4D97-AF65-F5344CB8AC3E}">
+        <p14:creationId xmlns:p14="http://schemas.microsoft.com/office/powerpoint/2010/main" val="4162674571"/>
+      </p:ext>
+    </p:extLst>
+  </p:cSld>
+  <p:clrMapOvr>
+    <a:masterClrMapping/>
+  </p:clrMapOvr>
+</p:notes>
+</file>
+
+<file path=ppt/notesSlides/notesSlide3.xml><?xml version="1.0" encoding="utf-8"?>
+<p:notes xmlns:a="http://schemas.openxmlformats.org/drawingml/2006/main" xmlns:r="http://schemas.openxmlformats.org/officeDocument/2006/relationships" xmlns:p="http://schemas.openxmlformats.org/presentationml/2006/main">
+  <p:cSld>
+    <p:spTree>
+      <p:nvGrpSpPr>
+        <p:cNvPr id="1" name=""/>
+        <p:cNvGrpSpPr/>
+        <p:nvPr/>
+      </p:nvGrpSpPr>
+      <p:grpSpPr>
+        <a:xfrm>
+          <a:off x="0" y="0"/>
+          <a:ext cx="0" cy="0"/>
+          <a:chOff x="0" y="0"/>
+          <a:chExt cx="0" cy="0"/>
+        </a:xfrm>
+      </p:grpSpPr>
+      <p:sp>
+        <p:nvSpPr>
+          <p:cNvPr id="2" name="Slide Image Placeholder 1"/>
+          <p:cNvSpPr>
+            <a:spLocks noGrp="1" noRot="1" noChangeAspect="1"/>
+          </p:cNvSpPr>
+          <p:nvPr>
+            <p:ph type="sldImg"/>
+          </p:nvPr>
+        </p:nvSpPr>
+        <p:spPr/>
+      </p:sp>
+      <p:sp>
+        <p:nvSpPr>
+          <p:cNvPr id="3" name="Notes Placeholder 2"/>
+          <p:cNvSpPr>
+            <a:spLocks noGrp="1"/>
+          </p:cNvSpPr>
+          <p:nvPr>
+            <p:ph type="body" idx="1"/>
+          </p:nvPr>
+        </p:nvSpPr>
+        <p:spPr/>
+        <p:txBody>
+          <a:bodyPr/>
+          <a:lstStyle/>
+          <a:p>
             <a:r>
               <a:rPr lang="en-US" dirty="0" smtClean="0"/>
               <a:t>Basically</a:t>
@@ -684,6 +897,705 @@
     <p:extLst>
       <p:ext uri="{BB962C8B-B14F-4D97-AF65-F5344CB8AC3E}">
         <p14:creationId xmlns:p14="http://schemas.microsoft.com/office/powerpoint/2010/main" val="3457608833"/>
+      </p:ext>
+    </p:extLst>
+  </p:cSld>
+  <p:clrMapOvr>
+    <a:masterClrMapping/>
+  </p:clrMapOvr>
+</p:notes>
+</file>
+
+<file path=ppt/notesSlides/notesSlide4.xml><?xml version="1.0" encoding="utf-8"?>
+<p:notes xmlns:a="http://schemas.openxmlformats.org/drawingml/2006/main" xmlns:r="http://schemas.openxmlformats.org/officeDocument/2006/relationships" xmlns:p="http://schemas.openxmlformats.org/presentationml/2006/main">
+  <p:cSld>
+    <p:spTree>
+      <p:nvGrpSpPr>
+        <p:cNvPr id="1" name=""/>
+        <p:cNvGrpSpPr/>
+        <p:nvPr/>
+      </p:nvGrpSpPr>
+      <p:grpSpPr>
+        <a:xfrm>
+          <a:off x="0" y="0"/>
+          <a:ext cx="0" cy="0"/>
+          <a:chOff x="0" y="0"/>
+          <a:chExt cx="0" cy="0"/>
+        </a:xfrm>
+      </p:grpSpPr>
+      <p:sp>
+        <p:nvSpPr>
+          <p:cNvPr id="2" name="Slide Image Placeholder 1"/>
+          <p:cNvSpPr>
+            <a:spLocks noGrp="1" noRot="1" noChangeAspect="1"/>
+          </p:cNvSpPr>
+          <p:nvPr>
+            <p:ph type="sldImg"/>
+          </p:nvPr>
+        </p:nvSpPr>
+        <p:spPr/>
+      </p:sp>
+      <p:sp>
+        <p:nvSpPr>
+          <p:cNvPr id="3" name="Notes Placeholder 2"/>
+          <p:cNvSpPr>
+            <a:spLocks noGrp="1"/>
+          </p:cNvSpPr>
+          <p:nvPr>
+            <p:ph type="body" idx="1"/>
+          </p:nvPr>
+        </p:nvSpPr>
+        <p:spPr/>
+        <p:txBody>
+          <a:bodyPr/>
+          <a:lstStyle/>
+          <a:p>
+            <a:pPr marL="228600" indent="-228600">
+              <a:buAutoNum type="arabicPeriod"/>
+            </a:pPr>
+            <a:r>
+              <a:rPr lang="en-US" dirty="0" smtClean="0"/>
+              <a:t>Free, open source, includes web,</a:t>
+            </a:r>
+            <a:r>
+              <a:rPr lang="en-US" baseline="0" dirty="0" smtClean="0"/>
+              <a:t> mobiles widgets and framework features</a:t>
+            </a:r>
+          </a:p>
+          <a:p>
+            <a:pPr marL="228600" indent="-228600">
+              <a:buAutoNum type="arabicPeriod"/>
+            </a:pPr>
+            <a:r>
+              <a:rPr lang="en-US" baseline="0" dirty="0" smtClean="0"/>
+              <a:t>Includes web data </a:t>
+            </a:r>
+            <a:r>
+              <a:rPr lang="en-US" baseline="0" dirty="0" err="1" smtClean="0"/>
+              <a:t>viz</a:t>
+            </a:r>
+            <a:r>
+              <a:rPr lang="en-US" baseline="0" dirty="0" smtClean="0"/>
+              <a:t>, mobile widgets and framework features</a:t>
+            </a:r>
+          </a:p>
+          <a:p>
+            <a:pPr marL="228600" indent="-228600">
+              <a:buAutoNum type="arabicPeriod"/>
+            </a:pPr>
+            <a:r>
+              <a:rPr lang="en-US" baseline="0" dirty="0" smtClean="0"/>
+              <a:t>ASP.NET MVC wrapper for all available widgets</a:t>
+            </a:r>
+          </a:p>
+          <a:p>
+            <a:pPr marL="228600" indent="-228600">
+              <a:buAutoNum type="arabicPeriod"/>
+            </a:pPr>
+            <a:r>
+              <a:rPr lang="en-US" baseline="0" dirty="0" smtClean="0"/>
+              <a:t>JSP wrappers available for web and data </a:t>
+            </a:r>
+            <a:r>
+              <a:rPr lang="en-US" baseline="0" dirty="0" err="1" smtClean="0"/>
+              <a:t>viz</a:t>
+            </a:r>
+            <a:r>
+              <a:rPr lang="en-US" baseline="0" dirty="0" smtClean="0"/>
+              <a:t> widgets</a:t>
+            </a:r>
+          </a:p>
+          <a:p>
+            <a:pPr marL="228600" marR="0" indent="-228600" algn="l" defTabSz="914400" rtl="0" eaLnBrk="1" fontAlgn="auto" latinLnBrk="0" hangingPunct="1">
+              <a:lnSpc>
+                <a:spcPct val="100000"/>
+              </a:lnSpc>
+              <a:spcBef>
+                <a:spcPts val="0"/>
+              </a:spcBef>
+              <a:spcAft>
+                <a:spcPts val="0"/>
+              </a:spcAft>
+              <a:buClrTx/>
+              <a:buSzTx/>
+              <a:buFontTx/>
+              <a:buAutoNum type="arabicPeriod"/>
+              <a:tabLst/>
+              <a:defRPr/>
+            </a:pPr>
+            <a:r>
+              <a:rPr lang="en-US" baseline="0" dirty="0" smtClean="0"/>
+              <a:t>PHP </a:t>
+            </a:r>
+            <a:r>
+              <a:rPr lang="en-US" baseline="0" dirty="0" smtClean="0"/>
+              <a:t>available for web and data </a:t>
+            </a:r>
+            <a:r>
+              <a:rPr lang="en-US" baseline="0" dirty="0" err="1" smtClean="0"/>
+              <a:t>viz</a:t>
+            </a:r>
+            <a:r>
+              <a:rPr lang="en-US" baseline="0" dirty="0" smtClean="0"/>
+              <a:t> widgets</a:t>
+            </a:r>
+          </a:p>
+          <a:p>
+            <a:pPr marL="228600" indent="-228600">
+              <a:buAutoNum type="arabicPeriod"/>
+            </a:pPr>
+            <a:endParaRPr lang="en-US" dirty="0" smtClean="0"/>
+          </a:p>
+          <a:p>
+            <a:pPr marL="0" indent="0">
+              <a:buNone/>
+            </a:pPr>
+            <a:r>
+              <a:rPr lang="en-US" dirty="0" smtClean="0"/>
+              <a:t>Server</a:t>
+            </a:r>
+            <a:r>
+              <a:rPr lang="en-US" baseline="0" dirty="0" smtClean="0"/>
+              <a:t> side wrappers are classes or xml tags which generates kendo </a:t>
+            </a:r>
+            <a:r>
+              <a:rPr lang="en-US" baseline="0" dirty="0" err="1" smtClean="0"/>
+              <a:t>ui</a:t>
+            </a:r>
+            <a:r>
+              <a:rPr lang="en-US" baseline="0" dirty="0" smtClean="0"/>
+              <a:t> widgets from server side code</a:t>
+            </a:r>
+            <a:endParaRPr lang="en-GB" dirty="0"/>
+          </a:p>
+        </p:txBody>
+      </p:sp>
+      <p:sp>
+        <p:nvSpPr>
+          <p:cNvPr id="4" name="Slide Number Placeholder 3"/>
+          <p:cNvSpPr>
+            <a:spLocks noGrp="1"/>
+          </p:cNvSpPr>
+          <p:nvPr>
+            <p:ph type="sldNum" sz="quarter" idx="10"/>
+          </p:nvPr>
+        </p:nvSpPr>
+        <p:spPr/>
+        <p:txBody>
+          <a:bodyPr/>
+          <a:lstStyle/>
+          <a:p>
+            <a:fld id="{DC2CACC7-154D-45B0-B133-967779606221}" type="slidenum">
+              <a:rPr lang="en-GB" smtClean="0"/>
+              <a:t>4</a:t>
+            </a:fld>
+            <a:endParaRPr lang="en-GB"/>
+          </a:p>
+        </p:txBody>
+      </p:sp>
+    </p:spTree>
+    <p:extLst>
+      <p:ext uri="{BB962C8B-B14F-4D97-AF65-F5344CB8AC3E}">
+        <p14:creationId xmlns:p14="http://schemas.microsoft.com/office/powerpoint/2010/main" val="970066844"/>
+      </p:ext>
+    </p:extLst>
+  </p:cSld>
+  <p:clrMapOvr>
+    <a:masterClrMapping/>
+  </p:clrMapOvr>
+</p:notes>
+</file>
+
+<file path=ppt/notesSlides/notesSlide5.xml><?xml version="1.0" encoding="utf-8"?>
+<p:notes xmlns:a="http://schemas.openxmlformats.org/drawingml/2006/main" xmlns:r="http://schemas.openxmlformats.org/officeDocument/2006/relationships" xmlns:p="http://schemas.openxmlformats.org/presentationml/2006/main">
+  <p:cSld>
+    <p:spTree>
+      <p:nvGrpSpPr>
+        <p:cNvPr id="1" name=""/>
+        <p:cNvGrpSpPr/>
+        <p:nvPr/>
+      </p:nvGrpSpPr>
+      <p:grpSpPr>
+        <a:xfrm>
+          <a:off x="0" y="0"/>
+          <a:ext cx="0" cy="0"/>
+          <a:chOff x="0" y="0"/>
+          <a:chExt cx="0" cy="0"/>
+        </a:xfrm>
+      </p:grpSpPr>
+      <p:sp>
+        <p:nvSpPr>
+          <p:cNvPr id="2" name="Slide Image Placeholder 1"/>
+          <p:cNvSpPr>
+            <a:spLocks noGrp="1" noRot="1" noChangeAspect="1"/>
+          </p:cNvSpPr>
+          <p:nvPr>
+            <p:ph type="sldImg"/>
+          </p:nvPr>
+        </p:nvSpPr>
+        <p:spPr/>
+      </p:sp>
+      <p:sp>
+        <p:nvSpPr>
+          <p:cNvPr id="3" name="Notes Placeholder 2"/>
+          <p:cNvSpPr>
+            <a:spLocks noGrp="1"/>
+          </p:cNvSpPr>
+          <p:nvPr>
+            <p:ph type="body" idx="1"/>
+          </p:nvPr>
+        </p:nvSpPr>
+        <p:spPr/>
+        <p:txBody>
+          <a:bodyPr/>
+          <a:lstStyle/>
+          <a:p>
+            <a:r>
+              <a:rPr lang="en-US" dirty="0" smtClean="0"/>
+              <a:t>Common.css file is registered</a:t>
+            </a:r>
+            <a:r>
+              <a:rPr lang="en-US" baseline="0" dirty="0" smtClean="0"/>
+              <a:t> before the theme.css file</a:t>
+            </a:r>
+            <a:endParaRPr lang="en-GB" dirty="0"/>
+          </a:p>
+        </p:txBody>
+      </p:sp>
+      <p:sp>
+        <p:nvSpPr>
+          <p:cNvPr id="4" name="Slide Number Placeholder 3"/>
+          <p:cNvSpPr>
+            <a:spLocks noGrp="1"/>
+          </p:cNvSpPr>
+          <p:nvPr>
+            <p:ph type="sldNum" sz="quarter" idx="10"/>
+          </p:nvPr>
+        </p:nvSpPr>
+        <p:spPr/>
+        <p:txBody>
+          <a:bodyPr/>
+          <a:lstStyle/>
+          <a:p>
+            <a:fld id="{DC2CACC7-154D-45B0-B133-967779606221}" type="slidenum">
+              <a:rPr lang="en-GB" smtClean="0"/>
+              <a:t>6</a:t>
+            </a:fld>
+            <a:endParaRPr lang="en-GB"/>
+          </a:p>
+        </p:txBody>
+      </p:sp>
+    </p:spTree>
+    <p:extLst>
+      <p:ext uri="{BB962C8B-B14F-4D97-AF65-F5344CB8AC3E}">
+        <p14:creationId xmlns:p14="http://schemas.microsoft.com/office/powerpoint/2010/main" val="2834585749"/>
+      </p:ext>
+    </p:extLst>
+  </p:cSld>
+  <p:clrMapOvr>
+    <a:masterClrMapping/>
+  </p:clrMapOvr>
+</p:notes>
+</file>
+
+<file path=ppt/notesSlides/notesSlide6.xml><?xml version="1.0" encoding="utf-8"?>
+<p:notes xmlns:a="http://schemas.openxmlformats.org/drawingml/2006/main" xmlns:r="http://schemas.openxmlformats.org/officeDocument/2006/relationships" xmlns:p="http://schemas.openxmlformats.org/presentationml/2006/main">
+  <p:cSld>
+    <p:spTree>
+      <p:nvGrpSpPr>
+        <p:cNvPr id="1" name=""/>
+        <p:cNvGrpSpPr/>
+        <p:nvPr/>
+      </p:nvGrpSpPr>
+      <p:grpSpPr>
+        <a:xfrm>
+          <a:off x="0" y="0"/>
+          <a:ext cx="0" cy="0"/>
+          <a:chOff x="0" y="0"/>
+          <a:chExt cx="0" cy="0"/>
+        </a:xfrm>
+      </p:grpSpPr>
+      <p:sp>
+        <p:nvSpPr>
+          <p:cNvPr id="2" name="Slide Image Placeholder 1"/>
+          <p:cNvSpPr>
+            <a:spLocks noGrp="1" noRot="1" noChangeAspect="1"/>
+          </p:cNvSpPr>
+          <p:nvPr>
+            <p:ph type="sldImg"/>
+          </p:nvPr>
+        </p:nvSpPr>
+        <p:spPr/>
+      </p:sp>
+      <p:sp>
+        <p:nvSpPr>
+          <p:cNvPr id="3" name="Notes Placeholder 2"/>
+          <p:cNvSpPr>
+            <a:spLocks noGrp="1"/>
+          </p:cNvSpPr>
+          <p:nvPr>
+            <p:ph type="body" idx="1"/>
+          </p:nvPr>
+        </p:nvSpPr>
+        <p:spPr/>
+        <p:txBody>
+          <a:bodyPr/>
+          <a:lstStyle/>
+          <a:p>
+            <a:pPr marL="228600" indent="-228600">
+              <a:buAutoNum type="arabicPeriod"/>
+            </a:pPr>
+            <a:r>
+              <a:rPr lang="en-US" dirty="0" smtClean="0"/>
+              <a:t>Add</a:t>
+            </a:r>
+            <a:r>
+              <a:rPr lang="en-US" baseline="0" dirty="0" smtClean="0"/>
+              <a:t> an html element, select the element thru </a:t>
+            </a:r>
+            <a:r>
+              <a:rPr lang="en-US" baseline="0" dirty="0" err="1" smtClean="0"/>
+              <a:t>jquery</a:t>
+            </a:r>
+            <a:r>
+              <a:rPr lang="en-US" baseline="0" dirty="0" smtClean="0"/>
+              <a:t> and apply </a:t>
+            </a:r>
+            <a:r>
+              <a:rPr lang="en-US" baseline="0" dirty="0" err="1" smtClean="0"/>
+              <a:t>js</a:t>
+            </a:r>
+            <a:r>
+              <a:rPr lang="en-US" baseline="0" dirty="0" smtClean="0"/>
+              <a:t> method from kendo namespaces to convert it into a widget</a:t>
+            </a:r>
+          </a:p>
+          <a:p>
+            <a:pPr marL="228600" indent="-228600">
+              <a:buAutoNum type="arabicPeriod"/>
+            </a:pPr>
+            <a:r>
+              <a:rPr lang="en-US" baseline="0" dirty="0" smtClean="0"/>
+              <a:t>Declarative Initialization- typically adds special attributes to your element starting with data-, then calls an initializer that reads these attributes and apply these changes</a:t>
+            </a:r>
+            <a:endParaRPr lang="en-GB" dirty="0"/>
+          </a:p>
+        </p:txBody>
+      </p:sp>
+      <p:sp>
+        <p:nvSpPr>
+          <p:cNvPr id="4" name="Slide Number Placeholder 3"/>
+          <p:cNvSpPr>
+            <a:spLocks noGrp="1"/>
+          </p:cNvSpPr>
+          <p:nvPr>
+            <p:ph type="sldNum" sz="quarter" idx="10"/>
+          </p:nvPr>
+        </p:nvSpPr>
+        <p:spPr/>
+        <p:txBody>
+          <a:bodyPr/>
+          <a:lstStyle/>
+          <a:p>
+            <a:fld id="{DC2CACC7-154D-45B0-B133-967779606221}" type="slidenum">
+              <a:rPr lang="en-GB" smtClean="0"/>
+              <a:t>7</a:t>
+            </a:fld>
+            <a:endParaRPr lang="en-GB"/>
+          </a:p>
+        </p:txBody>
+      </p:sp>
+    </p:spTree>
+    <p:extLst>
+      <p:ext uri="{BB962C8B-B14F-4D97-AF65-F5344CB8AC3E}">
+        <p14:creationId xmlns:p14="http://schemas.microsoft.com/office/powerpoint/2010/main" val="2418492707"/>
+      </p:ext>
+    </p:extLst>
+  </p:cSld>
+  <p:clrMapOvr>
+    <a:masterClrMapping/>
+  </p:clrMapOvr>
+</p:notes>
+</file>
+
+<file path=ppt/notesSlides/notesSlide7.xml><?xml version="1.0" encoding="utf-8"?>
+<p:notes xmlns:a="http://schemas.openxmlformats.org/drawingml/2006/main" xmlns:r="http://schemas.openxmlformats.org/officeDocument/2006/relationships" xmlns:p="http://schemas.openxmlformats.org/presentationml/2006/main">
+  <p:cSld>
+    <p:spTree>
+      <p:nvGrpSpPr>
+        <p:cNvPr id="1" name=""/>
+        <p:cNvGrpSpPr/>
+        <p:nvPr/>
+      </p:nvGrpSpPr>
+      <p:grpSpPr>
+        <a:xfrm>
+          <a:off x="0" y="0"/>
+          <a:ext cx="0" cy="0"/>
+          <a:chOff x="0" y="0"/>
+          <a:chExt cx="0" cy="0"/>
+        </a:xfrm>
+      </p:grpSpPr>
+      <p:sp>
+        <p:nvSpPr>
+          <p:cNvPr id="2" name="Slide Image Placeholder 1"/>
+          <p:cNvSpPr>
+            <a:spLocks noGrp="1" noRot="1" noChangeAspect="1"/>
+          </p:cNvSpPr>
+          <p:nvPr>
+            <p:ph type="sldImg"/>
+          </p:nvPr>
+        </p:nvSpPr>
+        <p:spPr/>
+      </p:sp>
+      <p:sp>
+        <p:nvSpPr>
+          <p:cNvPr id="3" name="Notes Placeholder 2"/>
+          <p:cNvSpPr>
+            <a:spLocks noGrp="1"/>
+          </p:cNvSpPr>
+          <p:nvPr>
+            <p:ph type="body" idx="1"/>
+          </p:nvPr>
+        </p:nvSpPr>
+        <p:spPr/>
+        <p:txBody>
+          <a:bodyPr/>
+          <a:lstStyle/>
+          <a:p>
+            <a:r>
+              <a:rPr lang="en-US" dirty="0" smtClean="0"/>
+              <a:t>Should</a:t>
+            </a:r>
+            <a:r>
+              <a:rPr lang="en-US" baseline="0" dirty="0" smtClean="0"/>
+              <a:t> plan for a fallback option while using files hosted in </a:t>
+            </a:r>
+            <a:r>
+              <a:rPr lang="en-US" baseline="0" dirty="0" err="1" smtClean="0"/>
+              <a:t>cdn</a:t>
+            </a:r>
+            <a:endParaRPr lang="en-US" baseline="0" dirty="0" smtClean="0"/>
+          </a:p>
+          <a:p>
+            <a:r>
+              <a:rPr lang="en-US" baseline="0" dirty="0" smtClean="0"/>
+              <a:t>Connectivity issues, firewalls, antivirus</a:t>
+            </a:r>
+            <a:endParaRPr lang="en-GB" dirty="0"/>
+          </a:p>
+        </p:txBody>
+      </p:sp>
+      <p:sp>
+        <p:nvSpPr>
+          <p:cNvPr id="4" name="Slide Number Placeholder 3"/>
+          <p:cNvSpPr>
+            <a:spLocks noGrp="1"/>
+          </p:cNvSpPr>
+          <p:nvPr>
+            <p:ph type="sldNum" sz="quarter" idx="10"/>
+          </p:nvPr>
+        </p:nvSpPr>
+        <p:spPr/>
+        <p:txBody>
+          <a:bodyPr/>
+          <a:lstStyle/>
+          <a:p>
+            <a:fld id="{DC2CACC7-154D-45B0-B133-967779606221}" type="slidenum">
+              <a:rPr lang="en-GB" smtClean="0"/>
+              <a:t>8</a:t>
+            </a:fld>
+            <a:endParaRPr lang="en-GB"/>
+          </a:p>
+        </p:txBody>
+      </p:sp>
+    </p:spTree>
+    <p:extLst>
+      <p:ext uri="{BB962C8B-B14F-4D97-AF65-F5344CB8AC3E}">
+        <p14:creationId xmlns:p14="http://schemas.microsoft.com/office/powerpoint/2010/main" val="1440862119"/>
+      </p:ext>
+    </p:extLst>
+  </p:cSld>
+  <p:clrMapOvr>
+    <a:masterClrMapping/>
+  </p:clrMapOvr>
+</p:notes>
+</file>
+
+<file path=ppt/notesSlides/notesSlide8.xml><?xml version="1.0" encoding="utf-8"?>
+<p:notes xmlns:a="http://schemas.openxmlformats.org/drawingml/2006/main" xmlns:r="http://schemas.openxmlformats.org/officeDocument/2006/relationships" xmlns:p="http://schemas.openxmlformats.org/presentationml/2006/main">
+  <p:cSld>
+    <p:spTree>
+      <p:nvGrpSpPr>
+        <p:cNvPr id="1" name=""/>
+        <p:cNvGrpSpPr/>
+        <p:nvPr/>
+      </p:nvGrpSpPr>
+      <p:grpSpPr>
+        <a:xfrm>
+          <a:off x="0" y="0"/>
+          <a:ext cx="0" cy="0"/>
+          <a:chOff x="0" y="0"/>
+          <a:chExt cx="0" cy="0"/>
+        </a:xfrm>
+      </p:grpSpPr>
+      <p:sp>
+        <p:nvSpPr>
+          <p:cNvPr id="2" name="Slide Image Placeholder 1"/>
+          <p:cNvSpPr>
+            <a:spLocks noGrp="1" noRot="1" noChangeAspect="1"/>
+          </p:cNvSpPr>
+          <p:nvPr>
+            <p:ph type="sldImg"/>
+          </p:nvPr>
+        </p:nvSpPr>
+        <p:spPr/>
+      </p:sp>
+      <p:sp>
+        <p:nvSpPr>
+          <p:cNvPr id="3" name="Notes Placeholder 2"/>
+          <p:cNvSpPr>
+            <a:spLocks noGrp="1"/>
+          </p:cNvSpPr>
+          <p:nvPr>
+            <p:ph type="body" idx="1"/>
+          </p:nvPr>
+        </p:nvSpPr>
+        <p:spPr/>
+        <p:txBody>
+          <a:bodyPr/>
+          <a:lstStyle/>
+          <a:p>
+            <a:r>
+              <a:rPr lang="en-US" dirty="0" smtClean="0"/>
+              <a:t>3.</a:t>
+            </a:r>
+            <a:r>
+              <a:rPr lang="en-US" baseline="0" dirty="0" smtClean="0"/>
+              <a:t> kendo.grid.js should not be registered together with kendo.web.js or kendo.all.js</a:t>
+            </a:r>
+          </a:p>
+          <a:p>
+            <a:r>
+              <a:rPr lang="en-US" baseline="0" dirty="0" smtClean="0"/>
+              <a:t>5. Only for licensed user, core users can opt for grunt</a:t>
+            </a:r>
+          </a:p>
+          <a:p>
+            <a:endParaRPr lang="en-GB" dirty="0"/>
+          </a:p>
+        </p:txBody>
+      </p:sp>
+      <p:sp>
+        <p:nvSpPr>
+          <p:cNvPr id="4" name="Slide Number Placeholder 3"/>
+          <p:cNvSpPr>
+            <a:spLocks noGrp="1"/>
+          </p:cNvSpPr>
+          <p:nvPr>
+            <p:ph type="sldNum" sz="quarter" idx="10"/>
+          </p:nvPr>
+        </p:nvSpPr>
+        <p:spPr/>
+        <p:txBody>
+          <a:bodyPr/>
+          <a:lstStyle/>
+          <a:p>
+            <a:fld id="{DC2CACC7-154D-45B0-B133-967779606221}" type="slidenum">
+              <a:rPr lang="en-GB" smtClean="0"/>
+              <a:t>9</a:t>
+            </a:fld>
+            <a:endParaRPr lang="en-GB"/>
+          </a:p>
+        </p:txBody>
+      </p:sp>
+    </p:spTree>
+    <p:extLst>
+      <p:ext uri="{BB962C8B-B14F-4D97-AF65-F5344CB8AC3E}">
+        <p14:creationId xmlns:p14="http://schemas.microsoft.com/office/powerpoint/2010/main" val="248829120"/>
+      </p:ext>
+    </p:extLst>
+  </p:cSld>
+  <p:clrMapOvr>
+    <a:masterClrMapping/>
+  </p:clrMapOvr>
+</p:notes>
+</file>
+
+<file path=ppt/notesSlides/notesSlide9.xml><?xml version="1.0" encoding="utf-8"?>
+<p:notes xmlns:a="http://schemas.openxmlformats.org/drawingml/2006/main" xmlns:r="http://schemas.openxmlformats.org/officeDocument/2006/relationships" xmlns:p="http://schemas.openxmlformats.org/presentationml/2006/main">
+  <p:cSld>
+    <p:spTree>
+      <p:nvGrpSpPr>
+        <p:cNvPr id="1" name=""/>
+        <p:cNvGrpSpPr/>
+        <p:nvPr/>
+      </p:nvGrpSpPr>
+      <p:grpSpPr>
+        <a:xfrm>
+          <a:off x="0" y="0"/>
+          <a:ext cx="0" cy="0"/>
+          <a:chOff x="0" y="0"/>
+          <a:chExt cx="0" cy="0"/>
+        </a:xfrm>
+      </p:grpSpPr>
+      <p:sp>
+        <p:nvSpPr>
+          <p:cNvPr id="2" name="Slide Image Placeholder 1"/>
+          <p:cNvSpPr>
+            <a:spLocks noGrp="1" noRot="1" noChangeAspect="1"/>
+          </p:cNvSpPr>
+          <p:nvPr>
+            <p:ph type="sldImg"/>
+          </p:nvPr>
+        </p:nvSpPr>
+        <p:spPr/>
+      </p:sp>
+      <p:sp>
+        <p:nvSpPr>
+          <p:cNvPr id="3" name="Notes Placeholder 2"/>
+          <p:cNvSpPr>
+            <a:spLocks noGrp="1"/>
+          </p:cNvSpPr>
+          <p:nvPr>
+            <p:ph type="body" idx="1"/>
+          </p:nvPr>
+        </p:nvSpPr>
+        <p:spPr/>
+        <p:txBody>
+          <a:bodyPr/>
+          <a:lstStyle/>
+          <a:p>
+            <a:endParaRPr lang="en-GB" dirty="0"/>
+          </a:p>
+        </p:txBody>
+      </p:sp>
+      <p:sp>
+        <p:nvSpPr>
+          <p:cNvPr id="4" name="Slide Number Placeholder 3"/>
+          <p:cNvSpPr>
+            <a:spLocks noGrp="1"/>
+          </p:cNvSpPr>
+          <p:nvPr>
+            <p:ph type="sldNum" sz="quarter" idx="10"/>
+          </p:nvPr>
+        </p:nvSpPr>
+        <p:spPr/>
+        <p:txBody>
+          <a:bodyPr/>
+          <a:lstStyle/>
+          <a:p>
+            <a:fld id="{DC2CACC7-154D-45B0-B133-967779606221}" type="slidenum">
+              <a:rPr lang="en-GB" smtClean="0"/>
+              <a:t>10</a:t>
+            </a:fld>
+            <a:endParaRPr lang="en-GB"/>
+          </a:p>
+        </p:txBody>
+      </p:sp>
+    </p:spTree>
+    <p:extLst>
+      <p:ext uri="{BB962C8B-B14F-4D97-AF65-F5344CB8AC3E}">
+        <p14:creationId xmlns:p14="http://schemas.microsoft.com/office/powerpoint/2010/main" val="4242844395"/>
       </p:ext>
     </p:extLst>
   </p:cSld>
@@ -887,7 +1799,7 @@
           <a:p>
             <a:fld id="{2BE96B4E-485B-4011-B172-D2B8261A77C4}" type="datetimeFigureOut">
               <a:rPr lang="en-GB" smtClean="0"/>
-              <a:t>01/02/2015</a:t>
+              <a:t>08/02/2015</a:t>
             </a:fld>
             <a:endParaRPr lang="en-GB"/>
           </a:p>
@@ -1052,7 +1964,7 @@
           <a:p>
             <a:fld id="{2BE96B4E-485B-4011-B172-D2B8261A77C4}" type="datetimeFigureOut">
               <a:rPr lang="en-GB" smtClean="0"/>
-              <a:t>01/02/2015</a:t>
+              <a:t>08/02/2015</a:t>
             </a:fld>
             <a:endParaRPr lang="en-GB"/>
           </a:p>
@@ -1227,7 +2139,7 @@
           <a:p>
             <a:fld id="{2BE96B4E-485B-4011-B172-D2B8261A77C4}" type="datetimeFigureOut">
               <a:rPr lang="en-GB" smtClean="0"/>
-              <a:t>01/02/2015</a:t>
+              <a:t>08/02/2015</a:t>
             </a:fld>
             <a:endParaRPr lang="en-GB"/>
           </a:p>
@@ -1392,7 +2304,7 @@
           <a:p>
             <a:fld id="{2BE96B4E-485B-4011-B172-D2B8261A77C4}" type="datetimeFigureOut">
               <a:rPr lang="en-GB" smtClean="0"/>
-              <a:t>01/02/2015</a:t>
+              <a:t>08/02/2015</a:t>
             </a:fld>
             <a:endParaRPr lang="en-GB"/>
           </a:p>
@@ -1640,7 +2552,7 @@
           <a:p>
             <a:fld id="{2BE96B4E-485B-4011-B172-D2B8261A77C4}" type="datetimeFigureOut">
               <a:rPr lang="en-GB" smtClean="0"/>
-              <a:t>01/02/2015</a:t>
+              <a:t>08/02/2015</a:t>
             </a:fld>
             <a:endParaRPr lang="en-GB"/>
           </a:p>
@@ -1923,7 +2835,7 @@
           <a:p>
             <a:fld id="{2BE96B4E-485B-4011-B172-D2B8261A77C4}" type="datetimeFigureOut">
               <a:rPr lang="en-GB" smtClean="0"/>
-              <a:t>01/02/2015</a:t>
+              <a:t>08/02/2015</a:t>
             </a:fld>
             <a:endParaRPr lang="en-GB"/>
           </a:p>
@@ -2352,7 +3264,7 @@
           <a:p>
             <a:fld id="{2BE96B4E-485B-4011-B172-D2B8261A77C4}" type="datetimeFigureOut">
               <a:rPr lang="en-GB" smtClean="0"/>
-              <a:t>01/02/2015</a:t>
+              <a:t>08/02/2015</a:t>
             </a:fld>
             <a:endParaRPr lang="en-GB"/>
           </a:p>
@@ -2465,7 +3377,7 @@
           <a:p>
             <a:fld id="{2BE96B4E-485B-4011-B172-D2B8261A77C4}" type="datetimeFigureOut">
               <a:rPr lang="en-GB" smtClean="0"/>
-              <a:t>01/02/2015</a:t>
+              <a:t>08/02/2015</a:t>
             </a:fld>
             <a:endParaRPr lang="en-GB"/>
           </a:p>
@@ -2555,7 +3467,7 @@
           <a:p>
             <a:fld id="{2BE96B4E-485B-4011-B172-D2B8261A77C4}" type="datetimeFigureOut">
               <a:rPr lang="en-GB" smtClean="0"/>
-              <a:t>01/02/2015</a:t>
+              <a:t>08/02/2015</a:t>
             </a:fld>
             <a:endParaRPr lang="en-GB"/>
           </a:p>
@@ -2744,7 +3656,7 @@
           <a:p>
             <a:fld id="{2BE96B4E-485B-4011-B172-D2B8261A77C4}" type="datetimeFigureOut">
               <a:rPr lang="en-GB" smtClean="0"/>
-              <a:t>01/02/2015</a:t>
+              <a:t>08/02/2015</a:t>
             </a:fld>
             <a:endParaRPr lang="en-GB"/>
           </a:p>
@@ -3062,7 +3974,7 @@
           <a:p>
             <a:fld id="{2BE96B4E-485B-4011-B172-D2B8261A77C4}" type="datetimeFigureOut">
               <a:rPr lang="en-GB" smtClean="0"/>
-              <a:t>01/02/2015</a:t>
+              <a:t>08/02/2015</a:t>
             </a:fld>
             <a:endParaRPr lang="en-GB"/>
           </a:p>
@@ -3441,7 +4353,7 @@
           <a:p>
             <a:fld id="{2BE96B4E-485B-4011-B172-D2B8261A77C4}" type="datetimeFigureOut">
               <a:rPr lang="en-GB" smtClean="0"/>
-              <a:t>01/02/2015</a:t>
+              <a:t>08/02/2015</a:t>
             </a:fld>
             <a:endParaRPr lang="en-GB"/>
           </a:p>
@@ -3836,6 +4748,206 @@
 </p:sld>
 </file>
 
+<file path=ppt/slides/slide10.xml><?xml version="1.0" encoding="utf-8"?>
+<p:sld xmlns:a="http://schemas.openxmlformats.org/drawingml/2006/main" xmlns:r="http://schemas.openxmlformats.org/officeDocument/2006/relationships" xmlns:p="http://schemas.openxmlformats.org/presentationml/2006/main">
+  <p:cSld>
+    <p:spTree>
+      <p:nvGrpSpPr>
+        <p:cNvPr id="1" name=""/>
+        <p:cNvGrpSpPr/>
+        <p:nvPr/>
+      </p:nvGrpSpPr>
+      <p:grpSpPr>
+        <a:xfrm>
+          <a:off x="0" y="0"/>
+          <a:ext cx="0" cy="0"/>
+          <a:chOff x="0" y="0"/>
+          <a:chExt cx="0" cy="0"/>
+        </a:xfrm>
+      </p:grpSpPr>
+      <p:sp>
+        <p:nvSpPr>
+          <p:cNvPr id="2" name="Title 1"/>
+          <p:cNvSpPr>
+            <a:spLocks noGrp="1"/>
+          </p:cNvSpPr>
+          <p:nvPr>
+            <p:ph type="title"/>
+          </p:nvPr>
+        </p:nvSpPr>
+        <p:spPr/>
+        <p:txBody>
+          <a:bodyPr/>
+          <a:lstStyle/>
+          <a:p>
+            <a:r>
+              <a:rPr lang="en-US" dirty="0" smtClean="0"/>
+              <a:t>Demo</a:t>
+            </a:r>
+            <a:endParaRPr lang="en-GB" dirty="0"/>
+          </a:p>
+        </p:txBody>
+      </p:sp>
+      <p:sp>
+        <p:nvSpPr>
+          <p:cNvPr id="3" name="Content Placeholder 2"/>
+          <p:cNvSpPr>
+            <a:spLocks noGrp="1"/>
+          </p:cNvSpPr>
+          <p:nvPr>
+            <p:ph idx="1"/>
+          </p:nvPr>
+        </p:nvSpPr>
+        <p:spPr/>
+        <p:txBody>
+          <a:bodyPr>
+            <a:normAutofit/>
+          </a:bodyPr>
+          <a:lstStyle/>
+          <a:p>
+            <a:pPr marL="114300" indent="0">
+              <a:lnSpc>
+                <a:spcPct val="200000"/>
+              </a:lnSpc>
+              <a:buNone/>
+            </a:pPr>
+            <a:r>
+              <a:rPr lang="en-US" sz="3200" dirty="0" smtClean="0"/>
+              <a:t>Getting Started</a:t>
+            </a:r>
+          </a:p>
+          <a:p>
+            <a:pPr lvl="1">
+              <a:lnSpc>
+                <a:spcPct val="200000"/>
+              </a:lnSpc>
+            </a:pPr>
+            <a:r>
+              <a:rPr lang="en-US" sz="3000" dirty="0" smtClean="0"/>
+              <a:t>Using jQuery plugin</a:t>
+            </a:r>
+          </a:p>
+          <a:p>
+            <a:pPr lvl="1">
+              <a:lnSpc>
+                <a:spcPct val="200000"/>
+              </a:lnSpc>
+            </a:pPr>
+            <a:r>
+              <a:rPr lang="en-US" sz="3000" dirty="0" smtClean="0"/>
+              <a:t>Using Markup</a:t>
+            </a:r>
+            <a:endParaRPr lang="en-GB" sz="3000" dirty="0"/>
+          </a:p>
+        </p:txBody>
+      </p:sp>
+    </p:spTree>
+    <p:extLst>
+      <p:ext uri="{BB962C8B-B14F-4D97-AF65-F5344CB8AC3E}">
+        <p14:creationId xmlns:p14="http://schemas.microsoft.com/office/powerpoint/2010/main" val="1515700848"/>
+      </p:ext>
+    </p:extLst>
+  </p:cSld>
+  <p:clrMapOvr>
+    <a:masterClrMapping/>
+  </p:clrMapOvr>
+</p:sld>
+</file>
+
+<file path=ppt/slides/slide11.xml><?xml version="1.0" encoding="utf-8"?>
+<p:sld xmlns:a="http://schemas.openxmlformats.org/drawingml/2006/main" xmlns:r="http://schemas.openxmlformats.org/officeDocument/2006/relationships" xmlns:p="http://schemas.openxmlformats.org/presentationml/2006/main">
+  <p:cSld>
+    <p:spTree>
+      <p:nvGrpSpPr>
+        <p:cNvPr id="1" name=""/>
+        <p:cNvGrpSpPr/>
+        <p:nvPr/>
+      </p:nvGrpSpPr>
+      <p:grpSpPr>
+        <a:xfrm>
+          <a:off x="0" y="0"/>
+          <a:ext cx="0" cy="0"/>
+          <a:chOff x="0" y="0"/>
+          <a:chExt cx="0" cy="0"/>
+        </a:xfrm>
+      </p:grpSpPr>
+      <p:sp>
+        <p:nvSpPr>
+          <p:cNvPr id="2" name="Title 1"/>
+          <p:cNvSpPr>
+            <a:spLocks noGrp="1"/>
+          </p:cNvSpPr>
+          <p:nvPr>
+            <p:ph type="title"/>
+          </p:nvPr>
+        </p:nvSpPr>
+        <p:spPr/>
+        <p:txBody>
+          <a:bodyPr/>
+          <a:lstStyle/>
+          <a:p>
+            <a:r>
+              <a:rPr lang="en-US" dirty="0" smtClean="0"/>
+              <a:t>Demo</a:t>
+            </a:r>
+            <a:endParaRPr lang="en-GB" dirty="0"/>
+          </a:p>
+        </p:txBody>
+      </p:sp>
+      <p:sp>
+        <p:nvSpPr>
+          <p:cNvPr id="3" name="Content Placeholder 2"/>
+          <p:cNvSpPr>
+            <a:spLocks noGrp="1"/>
+          </p:cNvSpPr>
+          <p:nvPr>
+            <p:ph idx="1"/>
+          </p:nvPr>
+        </p:nvSpPr>
+        <p:spPr/>
+        <p:txBody>
+          <a:bodyPr/>
+          <a:lstStyle/>
+          <a:p>
+            <a:r>
+              <a:rPr lang="en-US" dirty="0" smtClean="0"/>
+              <a:t>Initialize multiple Items at Once</a:t>
+            </a:r>
+          </a:p>
+          <a:p>
+            <a:r>
+              <a:rPr lang="en-US" dirty="0" smtClean="0"/>
+              <a:t>Chaining</a:t>
+            </a:r>
+          </a:p>
+          <a:p>
+            <a:r>
+              <a:rPr lang="en-US" dirty="0" smtClean="0"/>
+              <a:t>Obtaining Reference</a:t>
+            </a:r>
+          </a:p>
+          <a:p>
+            <a:r>
+              <a:rPr lang="en-US" smtClean="0"/>
+              <a:t>Event Binding</a:t>
+            </a:r>
+            <a:endParaRPr lang="en-GB" dirty="0"/>
+          </a:p>
+        </p:txBody>
+      </p:sp>
+    </p:spTree>
+    <p:extLst>
+      <p:ext uri="{BB962C8B-B14F-4D97-AF65-F5344CB8AC3E}">
+        <p14:creationId xmlns:p14="http://schemas.microsoft.com/office/powerpoint/2010/main" val="400987367"/>
+      </p:ext>
+    </p:extLst>
+  </p:cSld>
+  <p:clrMapOvr>
+    <a:masterClrMapping/>
+  </p:clrMapOvr>
+</p:sld>
+</file>
+
 <file path=ppt/slides/slide2.xml><?xml version="1.0" encoding="utf-8"?>
 <p:sld xmlns:a="http://schemas.openxmlformats.org/drawingml/2006/main" xmlns:r="http://schemas.openxmlformats.org/officeDocument/2006/relationships" xmlns:p="http://schemas.openxmlformats.org/presentationml/2006/main">
   <p:cSld>
@@ -3911,6 +5023,7 @@
               <a:rPr lang="en-US" dirty="0" smtClean="0"/>
               <a:t>Overview</a:t>
             </a:r>
+            <a:endParaRPr lang="en-US" dirty="0" smtClean="0"/>
           </a:p>
           <a:p>
             <a:pPr>
@@ -3920,7 +5033,7 @@
             </a:pPr>
             <a:r>
               <a:rPr lang="en-US" dirty="0" smtClean="0"/>
-              <a:t>Features</a:t>
+              <a:t>Flavors</a:t>
             </a:r>
           </a:p>
           <a:p>
@@ -3930,8 +5043,8 @@
               </a:lnSpc>
             </a:pPr>
             <a:r>
-              <a:rPr lang="en-US" dirty="0" smtClean="0"/>
-              <a:t>Advantages</a:t>
+              <a:rPr lang="en-US" dirty="0"/>
+              <a:t>Installation</a:t>
             </a:r>
           </a:p>
           <a:p>
@@ -3944,6 +5057,7 @@
               <a:rPr lang="en-US" dirty="0" smtClean="0"/>
               <a:t>Support</a:t>
             </a:r>
+            <a:endParaRPr lang="en-US" dirty="0" smtClean="0"/>
           </a:p>
           <a:p>
             <a:pPr>
@@ -4013,7 +5127,7 @@
           <a:p>
             <a:r>
               <a:rPr lang="en-US" dirty="0" smtClean="0"/>
-              <a:t>INTRODUCTION</a:t>
+              <a:t>Overview</a:t>
             </a:r>
             <a:endParaRPr lang="en-GB" dirty="0"/>
           </a:p>
@@ -4130,6 +5244,1086 @@
       </p:par>
     </p:tnLst>
   </p:timing>
+</p:sld>
+</file>
+
+<file path=ppt/slides/slide4.xml><?xml version="1.0" encoding="utf-8"?>
+<p:sld xmlns:a="http://schemas.openxmlformats.org/drawingml/2006/main" xmlns:r="http://schemas.openxmlformats.org/officeDocument/2006/relationships" xmlns:p="http://schemas.openxmlformats.org/presentationml/2006/main">
+  <p:cSld>
+    <p:spTree>
+      <p:nvGrpSpPr>
+        <p:cNvPr id="1" name=""/>
+        <p:cNvGrpSpPr/>
+        <p:nvPr/>
+      </p:nvGrpSpPr>
+      <p:grpSpPr>
+        <a:xfrm>
+          <a:off x="0" y="0"/>
+          <a:ext cx="0" cy="0"/>
+          <a:chOff x="0" y="0"/>
+          <a:chExt cx="0" cy="0"/>
+        </a:xfrm>
+      </p:grpSpPr>
+      <p:sp>
+        <p:nvSpPr>
+          <p:cNvPr id="2" name="Title 1"/>
+          <p:cNvSpPr>
+            <a:spLocks noGrp="1"/>
+          </p:cNvSpPr>
+          <p:nvPr>
+            <p:ph type="title"/>
+          </p:nvPr>
+        </p:nvSpPr>
+        <p:spPr/>
+        <p:txBody>
+          <a:bodyPr/>
+          <a:lstStyle/>
+          <a:p>
+            <a:r>
+              <a:rPr lang="en-US" dirty="0" err="1" smtClean="0"/>
+              <a:t>Flavours</a:t>
+            </a:r>
+            <a:endParaRPr lang="en-GB" dirty="0"/>
+          </a:p>
+        </p:txBody>
+      </p:sp>
+      <p:sp>
+        <p:nvSpPr>
+          <p:cNvPr id="3" name="Content Placeholder 2"/>
+          <p:cNvSpPr>
+            <a:spLocks noGrp="1"/>
+          </p:cNvSpPr>
+          <p:nvPr>
+            <p:ph idx="1"/>
+          </p:nvPr>
+        </p:nvSpPr>
+        <p:spPr/>
+        <p:txBody>
+          <a:bodyPr/>
+          <a:lstStyle/>
+          <a:p>
+            <a:pPr>
+              <a:lnSpc>
+                <a:spcPct val="200000"/>
+              </a:lnSpc>
+            </a:pPr>
+            <a:r>
+              <a:rPr lang="en-US" dirty="0" smtClean="0"/>
+              <a:t>Kendo UI Core</a:t>
+            </a:r>
+          </a:p>
+          <a:p>
+            <a:pPr>
+              <a:lnSpc>
+                <a:spcPct val="200000"/>
+              </a:lnSpc>
+            </a:pPr>
+            <a:r>
+              <a:rPr lang="en-US" dirty="0" smtClean="0"/>
+              <a:t>Kendo UI Professional</a:t>
+            </a:r>
+          </a:p>
+          <a:p>
+            <a:pPr>
+              <a:lnSpc>
+                <a:spcPct val="200000"/>
+              </a:lnSpc>
+            </a:pPr>
+            <a:r>
+              <a:rPr lang="en-US" dirty="0" err="1" smtClean="0"/>
+              <a:t>Telerik</a:t>
+            </a:r>
+            <a:r>
+              <a:rPr lang="en-US" dirty="0" smtClean="0"/>
+              <a:t> UI for ASP.NET MVC</a:t>
+            </a:r>
+          </a:p>
+          <a:p>
+            <a:pPr>
+              <a:lnSpc>
+                <a:spcPct val="200000"/>
+              </a:lnSpc>
+            </a:pPr>
+            <a:r>
+              <a:rPr lang="en-US" dirty="0" err="1" smtClean="0"/>
+              <a:t>Telerik</a:t>
+            </a:r>
+            <a:r>
+              <a:rPr lang="en-US" dirty="0" smtClean="0"/>
+              <a:t> UI for JSP</a:t>
+            </a:r>
+          </a:p>
+          <a:p>
+            <a:pPr>
+              <a:lnSpc>
+                <a:spcPct val="200000"/>
+              </a:lnSpc>
+            </a:pPr>
+            <a:r>
+              <a:rPr lang="en-US" dirty="0" err="1" smtClean="0"/>
+              <a:t>Telerik</a:t>
+            </a:r>
+            <a:r>
+              <a:rPr lang="en-US" dirty="0" smtClean="0"/>
+              <a:t> UI for PHP</a:t>
+            </a:r>
+          </a:p>
+          <a:p>
+            <a:endParaRPr lang="en-GB" dirty="0"/>
+          </a:p>
+        </p:txBody>
+      </p:sp>
+    </p:spTree>
+    <p:extLst>
+      <p:ext uri="{BB962C8B-B14F-4D97-AF65-F5344CB8AC3E}">
+        <p14:creationId xmlns:p14="http://schemas.microsoft.com/office/powerpoint/2010/main" val="1674651059"/>
+      </p:ext>
+    </p:extLst>
+  </p:cSld>
+  <p:clrMapOvr>
+    <a:masterClrMapping/>
+  </p:clrMapOvr>
+  <p:timing>
+    <p:tnLst>
+      <p:par>
+        <p:cTn id="1" dur="indefinite" restart="never" nodeType="tmRoot"/>
+      </p:par>
+    </p:tnLst>
+  </p:timing>
+</p:sld>
+</file>
+
+<file path=ppt/slides/slide5.xml><?xml version="1.0" encoding="utf-8"?>
+<p:sld xmlns:a="http://schemas.openxmlformats.org/drawingml/2006/main" xmlns:r="http://schemas.openxmlformats.org/officeDocument/2006/relationships" xmlns:p="http://schemas.openxmlformats.org/presentationml/2006/main">
+  <p:cSld>
+    <p:spTree>
+      <p:nvGrpSpPr>
+        <p:cNvPr id="1" name=""/>
+        <p:cNvGrpSpPr/>
+        <p:nvPr/>
+      </p:nvGrpSpPr>
+      <p:grpSpPr>
+        <a:xfrm>
+          <a:off x="0" y="0"/>
+          <a:ext cx="0" cy="0"/>
+          <a:chOff x="0" y="0"/>
+          <a:chExt cx="0" cy="0"/>
+        </a:xfrm>
+      </p:grpSpPr>
+      <p:sp>
+        <p:nvSpPr>
+          <p:cNvPr id="2" name="Title 1"/>
+          <p:cNvSpPr>
+            <a:spLocks noGrp="1"/>
+          </p:cNvSpPr>
+          <p:nvPr>
+            <p:ph type="title"/>
+          </p:nvPr>
+        </p:nvSpPr>
+        <p:spPr/>
+        <p:txBody>
+          <a:bodyPr/>
+          <a:lstStyle/>
+          <a:p>
+            <a:r>
+              <a:rPr lang="en-US" dirty="0" smtClean="0"/>
+              <a:t>Installation</a:t>
+            </a:r>
+            <a:endParaRPr lang="en-GB" dirty="0"/>
+          </a:p>
+        </p:txBody>
+      </p:sp>
+      <p:sp>
+        <p:nvSpPr>
+          <p:cNvPr id="3" name="Content Placeholder 2"/>
+          <p:cNvSpPr>
+            <a:spLocks noGrp="1"/>
+          </p:cNvSpPr>
+          <p:nvPr>
+            <p:ph idx="1"/>
+          </p:nvPr>
+        </p:nvSpPr>
+        <p:spPr/>
+        <p:txBody>
+          <a:bodyPr/>
+          <a:lstStyle/>
+          <a:p>
+            <a:pPr>
+              <a:lnSpc>
+                <a:spcPct val="150000"/>
+              </a:lnSpc>
+            </a:pPr>
+            <a:r>
+              <a:rPr lang="en-US" dirty="0" smtClean="0"/>
+              <a:t>Requires jQuery v1.9.1</a:t>
+            </a:r>
+          </a:p>
+          <a:p>
+            <a:pPr>
+              <a:lnSpc>
+                <a:spcPct val="150000"/>
+              </a:lnSpc>
+            </a:pPr>
+            <a:r>
+              <a:rPr lang="en-US" dirty="0" smtClean="0"/>
+              <a:t>Download package from</a:t>
+            </a:r>
+          </a:p>
+          <a:p>
+            <a:pPr marL="114300" indent="0">
+              <a:lnSpc>
+                <a:spcPct val="150000"/>
+              </a:lnSpc>
+              <a:buNone/>
+            </a:pPr>
+            <a:r>
+              <a:rPr lang="en-US" dirty="0" smtClean="0"/>
+              <a:t>	</a:t>
+            </a:r>
+            <a:r>
+              <a:rPr lang="en-US" dirty="0" smtClean="0">
+                <a:hlinkClick r:id="rId2"/>
+              </a:rPr>
+              <a:t>http</a:t>
+            </a:r>
+            <a:r>
+              <a:rPr lang="en-US" dirty="0">
+                <a:hlinkClick r:id="rId2"/>
+              </a:rPr>
+              <a:t>://</a:t>
+            </a:r>
+            <a:r>
+              <a:rPr lang="en-US" dirty="0" smtClean="0">
+                <a:hlinkClick r:id="rId2"/>
+              </a:rPr>
+              <a:t>www.telerik.com/download/kendo-ui</a:t>
+            </a:r>
+            <a:endParaRPr lang="en-US" dirty="0" smtClean="0"/>
+          </a:p>
+          <a:p>
+            <a:pPr>
+              <a:lnSpc>
+                <a:spcPct val="150000"/>
+              </a:lnSpc>
+            </a:pPr>
+            <a:r>
+              <a:rPr lang="en-US" dirty="0"/>
+              <a:t>Package Structure</a:t>
+            </a:r>
+          </a:p>
+          <a:p>
+            <a:pPr marL="114300" indent="0">
+              <a:buNone/>
+            </a:pPr>
+            <a:endParaRPr lang="en-US" dirty="0" smtClean="0"/>
+          </a:p>
+          <a:p>
+            <a:pPr marL="114300" indent="0">
+              <a:buNone/>
+            </a:pPr>
+            <a:endParaRPr lang="en-US" dirty="0"/>
+          </a:p>
+          <a:p>
+            <a:endParaRPr lang="en-US" dirty="0" smtClean="0"/>
+          </a:p>
+          <a:p>
+            <a:endParaRPr lang="en-US" dirty="0"/>
+          </a:p>
+          <a:p>
+            <a:endParaRPr lang="en-US" dirty="0" smtClean="0"/>
+          </a:p>
+          <a:p>
+            <a:endParaRPr lang="en-US" dirty="0"/>
+          </a:p>
+        </p:txBody>
+      </p:sp>
+      <p:pic>
+        <p:nvPicPr>
+          <p:cNvPr id="1026" name="Picture 2"/>
+          <p:cNvPicPr>
+            <a:picLocks noChangeAspect="1" noChangeArrowheads="1"/>
+          </p:cNvPicPr>
+          <p:nvPr/>
+        </p:nvPicPr>
+        <p:blipFill>
+          <a:blip r:embed="rId3">
+            <a:extLst>
+              <a:ext uri="{28A0092B-C50C-407E-A947-70E740481C1C}">
+                <a14:useLocalDpi xmlns:a14="http://schemas.microsoft.com/office/drawing/2010/main" val="0"/>
+              </a:ext>
+            </a:extLst>
+          </a:blip>
+          <a:srcRect/>
+          <a:stretch>
+            <a:fillRect/>
+          </a:stretch>
+        </p:blipFill>
+        <p:spPr bwMode="auto">
+          <a:xfrm>
+            <a:off x="873200" y="4077072"/>
+            <a:ext cx="7114242" cy="2092424"/>
+          </a:xfrm>
+          <a:prstGeom prst="rect">
+            <a:avLst/>
+          </a:prstGeom>
+          <a:noFill/>
+          <a:ln>
+            <a:noFill/>
+          </a:ln>
+          <a:extLst>
+            <a:ext uri="{909E8E84-426E-40DD-AFC4-6F175D3DCCD1}">
+              <a14:hiddenFill xmlns:a14="http://schemas.microsoft.com/office/drawing/2010/main">
+                <a:solidFill>
+                  <a:schemeClr val="accent1"/>
+                </a:solidFill>
+              </a14:hiddenFill>
+            </a:ext>
+            <a:ext uri="{91240B29-F687-4F45-9708-019B960494DF}">
+              <a14:hiddenLine xmlns:a14="http://schemas.microsoft.com/office/drawing/2010/main" w="9525">
+                <a:solidFill>
+                  <a:schemeClr val="tx1"/>
+                </a:solidFill>
+                <a:miter lim="800000"/>
+                <a:headEnd/>
+                <a:tailEnd/>
+              </a14:hiddenLine>
+            </a:ext>
+          </a:extLst>
+        </p:spPr>
+      </p:pic>
+    </p:spTree>
+    <p:extLst>
+      <p:ext uri="{BB962C8B-B14F-4D97-AF65-F5344CB8AC3E}">
+        <p14:creationId xmlns:p14="http://schemas.microsoft.com/office/powerpoint/2010/main" val="2740027024"/>
+      </p:ext>
+    </p:extLst>
+  </p:cSld>
+  <p:clrMapOvr>
+    <a:masterClrMapping/>
+  </p:clrMapOvr>
+  <p:timing>
+    <p:tnLst>
+      <p:par>
+        <p:cTn id="1" dur="indefinite" restart="never" nodeType="tmRoot"/>
+      </p:par>
+    </p:tnLst>
+  </p:timing>
+</p:sld>
+</file>
+
+<file path=ppt/slides/slide6.xml><?xml version="1.0" encoding="utf-8"?>
+<p:sld xmlns:a="http://schemas.openxmlformats.org/drawingml/2006/main" xmlns:r="http://schemas.openxmlformats.org/officeDocument/2006/relationships" xmlns:p="http://schemas.openxmlformats.org/presentationml/2006/main">
+  <p:cSld>
+    <p:spTree>
+      <p:nvGrpSpPr>
+        <p:cNvPr id="1" name=""/>
+        <p:cNvGrpSpPr/>
+        <p:nvPr/>
+      </p:nvGrpSpPr>
+      <p:grpSpPr>
+        <a:xfrm>
+          <a:off x="0" y="0"/>
+          <a:ext cx="0" cy="0"/>
+          <a:chOff x="0" y="0"/>
+          <a:chExt cx="0" cy="0"/>
+        </a:xfrm>
+      </p:grpSpPr>
+      <p:sp>
+        <p:nvSpPr>
+          <p:cNvPr id="2" name="Title 1"/>
+          <p:cNvSpPr>
+            <a:spLocks noGrp="1"/>
+          </p:cNvSpPr>
+          <p:nvPr>
+            <p:ph type="title"/>
+          </p:nvPr>
+        </p:nvSpPr>
+        <p:spPr/>
+        <p:txBody>
+          <a:bodyPr/>
+          <a:lstStyle/>
+          <a:p>
+            <a:r>
+              <a:rPr lang="en-US" dirty="0" smtClean="0"/>
+              <a:t>Usage</a:t>
+            </a:r>
+            <a:endParaRPr lang="en-GB" dirty="0"/>
+          </a:p>
+        </p:txBody>
+      </p:sp>
+      <p:sp>
+        <p:nvSpPr>
+          <p:cNvPr id="4" name="Content Placeholder 3"/>
+          <p:cNvSpPr>
+            <a:spLocks noGrp="1"/>
+          </p:cNvSpPr>
+          <p:nvPr>
+            <p:ph idx="1"/>
+          </p:nvPr>
+        </p:nvSpPr>
+        <p:spPr/>
+        <p:txBody>
+          <a:bodyPr/>
+          <a:lstStyle/>
+          <a:p>
+            <a:pPr>
+              <a:lnSpc>
+                <a:spcPct val="150000"/>
+              </a:lnSpc>
+            </a:pPr>
+            <a:r>
+              <a:rPr lang="en-US" dirty="0"/>
+              <a:t>Copy JS and Styles directories to your root folder</a:t>
+            </a:r>
+            <a:endParaRPr lang="en-GB" dirty="0"/>
+          </a:p>
+          <a:p>
+            <a:pPr>
+              <a:lnSpc>
+                <a:spcPct val="150000"/>
+              </a:lnSpc>
+            </a:pPr>
+            <a:r>
+              <a:rPr lang="en-US" dirty="0" smtClean="0"/>
+              <a:t>Include the files in your page</a:t>
+            </a:r>
+          </a:p>
+          <a:p>
+            <a:endParaRPr lang="en-GB" dirty="0"/>
+          </a:p>
+        </p:txBody>
+      </p:sp>
+      <p:pic>
+        <p:nvPicPr>
+          <p:cNvPr id="2051" name="Picture 3"/>
+          <p:cNvPicPr>
+            <a:picLocks noChangeAspect="1" noChangeArrowheads="1"/>
+          </p:cNvPicPr>
+          <p:nvPr/>
+        </p:nvPicPr>
+        <p:blipFill>
+          <a:blip r:embed="rId3">
+            <a:extLst>
+              <a:ext uri="{28A0092B-C50C-407E-A947-70E740481C1C}">
+                <a14:useLocalDpi xmlns:a14="http://schemas.microsoft.com/office/drawing/2010/main" val="0"/>
+              </a:ext>
+            </a:extLst>
+          </a:blip>
+          <a:srcRect/>
+          <a:stretch>
+            <a:fillRect/>
+          </a:stretch>
+        </p:blipFill>
+        <p:spPr bwMode="auto">
+          <a:xfrm>
+            <a:off x="683568" y="2924944"/>
+            <a:ext cx="7277100" cy="3209925"/>
+          </a:xfrm>
+          <a:prstGeom prst="rect">
+            <a:avLst/>
+          </a:prstGeom>
+          <a:noFill/>
+          <a:ln>
+            <a:noFill/>
+          </a:ln>
+          <a:extLst>
+            <a:ext uri="{909E8E84-426E-40DD-AFC4-6F175D3DCCD1}">
+              <a14:hiddenFill xmlns:a14="http://schemas.microsoft.com/office/drawing/2010/main">
+                <a:solidFill>
+                  <a:schemeClr val="accent1"/>
+                </a:solidFill>
+              </a14:hiddenFill>
+            </a:ext>
+            <a:ext uri="{91240B29-F687-4F45-9708-019B960494DF}">
+              <a14:hiddenLine xmlns:a14="http://schemas.microsoft.com/office/drawing/2010/main" w="9525">
+                <a:solidFill>
+                  <a:schemeClr val="tx1"/>
+                </a:solidFill>
+                <a:miter lim="800000"/>
+                <a:headEnd/>
+                <a:tailEnd/>
+              </a14:hiddenLine>
+            </a:ext>
+          </a:extLst>
+        </p:spPr>
+      </p:pic>
+    </p:spTree>
+    <p:extLst>
+      <p:ext uri="{BB962C8B-B14F-4D97-AF65-F5344CB8AC3E}">
+        <p14:creationId xmlns:p14="http://schemas.microsoft.com/office/powerpoint/2010/main" val="147744119"/>
+      </p:ext>
+    </p:extLst>
+  </p:cSld>
+  <p:clrMapOvr>
+    <a:masterClrMapping/>
+  </p:clrMapOvr>
+  <p:timing>
+    <p:tnLst>
+      <p:par>
+        <p:cTn id="1" dur="indefinite" restart="never" nodeType="tmRoot"/>
+      </p:par>
+    </p:tnLst>
+  </p:timing>
+</p:sld>
+</file>
+
+<file path=ppt/slides/slide7.xml><?xml version="1.0" encoding="utf-8"?>
+<p:sld xmlns:a="http://schemas.openxmlformats.org/drawingml/2006/main" xmlns:r="http://schemas.openxmlformats.org/officeDocument/2006/relationships" xmlns:p="http://schemas.openxmlformats.org/presentationml/2006/main">
+  <p:cSld>
+    <p:spTree>
+      <p:nvGrpSpPr>
+        <p:cNvPr id="1" name=""/>
+        <p:cNvGrpSpPr/>
+        <p:nvPr/>
+      </p:nvGrpSpPr>
+      <p:grpSpPr>
+        <a:xfrm>
+          <a:off x="0" y="0"/>
+          <a:ext cx="0" cy="0"/>
+          <a:chOff x="0" y="0"/>
+          <a:chExt cx="0" cy="0"/>
+        </a:xfrm>
+      </p:grpSpPr>
+      <p:sp>
+        <p:nvSpPr>
+          <p:cNvPr id="2" name="Title 1"/>
+          <p:cNvSpPr>
+            <a:spLocks noGrp="1"/>
+          </p:cNvSpPr>
+          <p:nvPr>
+            <p:ph type="title"/>
+          </p:nvPr>
+        </p:nvSpPr>
+        <p:spPr/>
+        <p:txBody>
+          <a:bodyPr/>
+          <a:lstStyle/>
+          <a:p>
+            <a:r>
+              <a:rPr lang="en-US" dirty="0" smtClean="0"/>
+              <a:t>Initializing Widget</a:t>
+            </a:r>
+            <a:endParaRPr lang="en-GB" dirty="0"/>
+          </a:p>
+        </p:txBody>
+      </p:sp>
+      <p:sp>
+        <p:nvSpPr>
+          <p:cNvPr id="5" name="Content Placeholder 4"/>
+          <p:cNvSpPr>
+            <a:spLocks noGrp="1"/>
+          </p:cNvSpPr>
+          <p:nvPr>
+            <p:ph idx="1"/>
+          </p:nvPr>
+        </p:nvSpPr>
+        <p:spPr/>
+        <p:txBody>
+          <a:bodyPr/>
+          <a:lstStyle/>
+          <a:p>
+            <a:r>
+              <a:rPr lang="en-US" dirty="0" smtClean="0"/>
+              <a:t>jQuery Syntax</a:t>
+            </a:r>
+          </a:p>
+          <a:p>
+            <a:endParaRPr lang="en-US" dirty="0"/>
+          </a:p>
+          <a:p>
+            <a:endParaRPr lang="en-US" dirty="0" smtClean="0"/>
+          </a:p>
+          <a:p>
+            <a:endParaRPr lang="en-US" dirty="0" smtClean="0"/>
+          </a:p>
+          <a:p>
+            <a:endParaRPr lang="en-US" dirty="0"/>
+          </a:p>
+          <a:p>
+            <a:r>
+              <a:rPr lang="en-US" dirty="0" smtClean="0"/>
+              <a:t>HTML 5 Syntax</a:t>
+            </a:r>
+            <a:endParaRPr lang="en-GB" dirty="0"/>
+          </a:p>
+        </p:txBody>
+      </p:sp>
+      <p:pic>
+        <p:nvPicPr>
+          <p:cNvPr id="9" name="Picture 3"/>
+          <p:cNvPicPr>
+            <a:picLocks noChangeAspect="1" noChangeArrowheads="1"/>
+          </p:cNvPicPr>
+          <p:nvPr/>
+        </p:nvPicPr>
+        <p:blipFill>
+          <a:blip r:embed="rId3">
+            <a:extLst>
+              <a:ext uri="{28A0092B-C50C-407E-A947-70E740481C1C}">
+                <a14:useLocalDpi xmlns:a14="http://schemas.microsoft.com/office/drawing/2010/main" val="0"/>
+              </a:ext>
+            </a:extLst>
+          </a:blip>
+          <a:srcRect/>
+          <a:stretch>
+            <a:fillRect/>
+          </a:stretch>
+        </p:blipFill>
+        <p:spPr bwMode="auto">
+          <a:xfrm>
+            <a:off x="1373599" y="2246506"/>
+            <a:ext cx="4804089" cy="1008112"/>
+          </a:xfrm>
+          <a:prstGeom prst="rect">
+            <a:avLst/>
+          </a:prstGeom>
+          <a:noFill/>
+          <a:ln>
+            <a:noFill/>
+          </a:ln>
+          <a:extLst>
+            <a:ext uri="{909E8E84-426E-40DD-AFC4-6F175D3DCCD1}">
+              <a14:hiddenFill xmlns:a14="http://schemas.microsoft.com/office/drawing/2010/main">
+                <a:solidFill>
+                  <a:schemeClr val="accent1"/>
+                </a:solidFill>
+              </a14:hiddenFill>
+            </a:ext>
+            <a:ext uri="{91240B29-F687-4F45-9708-019B960494DF}">
+              <a14:hiddenLine xmlns:a14="http://schemas.microsoft.com/office/drawing/2010/main" w="9525">
+                <a:solidFill>
+                  <a:schemeClr val="tx1"/>
+                </a:solidFill>
+                <a:miter lim="800000"/>
+                <a:headEnd/>
+                <a:tailEnd/>
+              </a14:hiddenLine>
+            </a:ext>
+          </a:extLst>
+        </p:spPr>
+      </p:pic>
+      <p:pic>
+        <p:nvPicPr>
+          <p:cNvPr id="3077" name="Picture 5"/>
+          <p:cNvPicPr>
+            <a:picLocks noChangeAspect="1" noChangeArrowheads="1"/>
+          </p:cNvPicPr>
+          <p:nvPr/>
+        </p:nvPicPr>
+        <p:blipFill>
+          <a:blip r:embed="rId4">
+            <a:extLst>
+              <a:ext uri="{28A0092B-C50C-407E-A947-70E740481C1C}">
+                <a14:useLocalDpi xmlns:a14="http://schemas.microsoft.com/office/drawing/2010/main" val="0"/>
+              </a:ext>
+            </a:extLst>
+          </a:blip>
+          <a:srcRect/>
+          <a:stretch>
+            <a:fillRect/>
+          </a:stretch>
+        </p:blipFill>
+        <p:spPr bwMode="auto">
+          <a:xfrm>
+            <a:off x="1384028" y="4365104"/>
+            <a:ext cx="6480720" cy="1080120"/>
+          </a:xfrm>
+          <a:prstGeom prst="rect">
+            <a:avLst/>
+          </a:prstGeom>
+          <a:noFill/>
+          <a:ln>
+            <a:noFill/>
+          </a:ln>
+          <a:extLst>
+            <a:ext uri="{909E8E84-426E-40DD-AFC4-6F175D3DCCD1}">
+              <a14:hiddenFill xmlns:a14="http://schemas.microsoft.com/office/drawing/2010/main">
+                <a:solidFill>
+                  <a:schemeClr val="accent1"/>
+                </a:solidFill>
+              </a14:hiddenFill>
+            </a:ext>
+            <a:ext uri="{91240B29-F687-4F45-9708-019B960494DF}">
+              <a14:hiddenLine xmlns:a14="http://schemas.microsoft.com/office/drawing/2010/main" w="9525">
+                <a:solidFill>
+                  <a:schemeClr val="tx1"/>
+                </a:solidFill>
+                <a:miter lim="800000"/>
+                <a:headEnd/>
+                <a:tailEnd/>
+              </a14:hiddenLine>
+            </a:ext>
+          </a:extLst>
+        </p:spPr>
+      </p:pic>
+    </p:spTree>
+    <p:extLst>
+      <p:ext uri="{BB962C8B-B14F-4D97-AF65-F5344CB8AC3E}">
+        <p14:creationId xmlns:p14="http://schemas.microsoft.com/office/powerpoint/2010/main" val="2066404099"/>
+      </p:ext>
+    </p:extLst>
+  </p:cSld>
+  <p:clrMapOvr>
+    <a:masterClrMapping/>
+  </p:clrMapOvr>
+  <p:timing>
+    <p:tnLst>
+      <p:par>
+        <p:cTn id="1" dur="indefinite" restart="never" nodeType="tmRoot"/>
+      </p:par>
+    </p:tnLst>
+  </p:timing>
+</p:sld>
+</file>
+
+<file path=ppt/slides/slide8.xml><?xml version="1.0" encoding="utf-8"?>
+<p:sld xmlns:a="http://schemas.openxmlformats.org/drawingml/2006/main" xmlns:r="http://schemas.openxmlformats.org/officeDocument/2006/relationships" xmlns:p="http://schemas.openxmlformats.org/presentationml/2006/main">
+  <p:cSld>
+    <p:spTree>
+      <p:nvGrpSpPr>
+        <p:cNvPr id="1" name=""/>
+        <p:cNvGrpSpPr/>
+        <p:nvPr/>
+      </p:nvGrpSpPr>
+      <p:grpSpPr>
+        <a:xfrm>
+          <a:off x="0" y="0"/>
+          <a:ext cx="0" cy="0"/>
+          <a:chOff x="0" y="0"/>
+          <a:chExt cx="0" cy="0"/>
+        </a:xfrm>
+      </p:grpSpPr>
+      <p:sp>
+        <p:nvSpPr>
+          <p:cNvPr id="2" name="Title 1"/>
+          <p:cNvSpPr>
+            <a:spLocks noGrp="1"/>
+          </p:cNvSpPr>
+          <p:nvPr>
+            <p:ph type="title"/>
+          </p:nvPr>
+        </p:nvSpPr>
+        <p:spPr/>
+        <p:txBody>
+          <a:bodyPr/>
+          <a:lstStyle/>
+          <a:p>
+            <a:r>
+              <a:rPr lang="en-US" dirty="0" smtClean="0"/>
+              <a:t>Kendo UI CDN</a:t>
+            </a:r>
+            <a:endParaRPr lang="en-GB" dirty="0"/>
+          </a:p>
+        </p:txBody>
+      </p:sp>
+      <p:sp>
+        <p:nvSpPr>
+          <p:cNvPr id="3" name="Content Placeholder 2"/>
+          <p:cNvSpPr>
+            <a:spLocks noGrp="1"/>
+          </p:cNvSpPr>
+          <p:nvPr>
+            <p:ph idx="1"/>
+          </p:nvPr>
+        </p:nvSpPr>
+        <p:spPr/>
+        <p:txBody>
+          <a:bodyPr/>
+          <a:lstStyle/>
+          <a:p>
+            <a:pPr>
+              <a:lnSpc>
+                <a:spcPct val="150000"/>
+              </a:lnSpc>
+            </a:pPr>
+            <a:r>
+              <a:rPr lang="en-US" dirty="0" smtClean="0"/>
+              <a:t>Hosted on Amazon Cloud Front</a:t>
+            </a:r>
+          </a:p>
+          <a:p>
+            <a:pPr>
+              <a:lnSpc>
+                <a:spcPct val="150000"/>
+              </a:lnSpc>
+            </a:pPr>
+            <a:r>
+              <a:rPr lang="en-US" dirty="0" smtClean="0"/>
+              <a:t>All are minified files</a:t>
+            </a:r>
+          </a:p>
+          <a:p>
+            <a:pPr>
+              <a:lnSpc>
+                <a:spcPct val="150000"/>
+              </a:lnSpc>
+            </a:pPr>
+            <a:r>
+              <a:rPr lang="en-US" dirty="0" smtClean="0"/>
+              <a:t>Local fallback option is recommended</a:t>
+            </a:r>
+            <a:endParaRPr lang="en-GB" dirty="0"/>
+          </a:p>
+        </p:txBody>
+      </p:sp>
+      <p:pic>
+        <p:nvPicPr>
+          <p:cNvPr id="4098" name="Picture 2"/>
+          <p:cNvPicPr>
+            <a:picLocks noChangeAspect="1" noChangeArrowheads="1"/>
+          </p:cNvPicPr>
+          <p:nvPr/>
+        </p:nvPicPr>
+        <p:blipFill>
+          <a:blip r:embed="rId3">
+            <a:extLst>
+              <a:ext uri="{28A0092B-C50C-407E-A947-70E740481C1C}">
+                <a14:useLocalDpi xmlns:a14="http://schemas.microsoft.com/office/drawing/2010/main" val="0"/>
+              </a:ext>
+            </a:extLst>
+          </a:blip>
+          <a:srcRect/>
+          <a:stretch>
+            <a:fillRect/>
+          </a:stretch>
+        </p:blipFill>
+        <p:spPr bwMode="auto">
+          <a:xfrm>
+            <a:off x="710269" y="3789040"/>
+            <a:ext cx="7591425" cy="1971675"/>
+          </a:xfrm>
+          <a:prstGeom prst="rect">
+            <a:avLst/>
+          </a:prstGeom>
+          <a:noFill/>
+          <a:ln>
+            <a:noFill/>
+          </a:ln>
+          <a:extLst>
+            <a:ext uri="{909E8E84-426E-40DD-AFC4-6F175D3DCCD1}">
+              <a14:hiddenFill xmlns:a14="http://schemas.microsoft.com/office/drawing/2010/main">
+                <a:solidFill>
+                  <a:schemeClr val="accent1"/>
+                </a:solidFill>
+              </a14:hiddenFill>
+            </a:ext>
+            <a:ext uri="{91240B29-F687-4F45-9708-019B960494DF}">
+              <a14:hiddenLine xmlns:a14="http://schemas.microsoft.com/office/drawing/2010/main" w="9525">
+                <a:solidFill>
+                  <a:schemeClr val="tx1"/>
+                </a:solidFill>
+                <a:miter lim="800000"/>
+                <a:headEnd/>
+                <a:tailEnd/>
+              </a14:hiddenLine>
+            </a:ext>
+          </a:extLst>
+        </p:spPr>
+      </p:pic>
+    </p:spTree>
+    <p:extLst>
+      <p:ext uri="{BB962C8B-B14F-4D97-AF65-F5344CB8AC3E}">
+        <p14:creationId xmlns:p14="http://schemas.microsoft.com/office/powerpoint/2010/main" val="2680187001"/>
+      </p:ext>
+    </p:extLst>
+  </p:cSld>
+  <p:clrMapOvr>
+    <a:masterClrMapping/>
+  </p:clrMapOvr>
+  <p:timing>
+    <p:tnLst>
+      <p:par>
+        <p:cTn id="1" dur="indefinite" restart="never" nodeType="tmRoot"/>
+      </p:par>
+    </p:tnLst>
+  </p:timing>
+</p:sld>
+</file>
+
+<file path=ppt/slides/slide9.xml><?xml version="1.0" encoding="utf-8"?>
+<p:sld xmlns:a="http://schemas.openxmlformats.org/drawingml/2006/main" xmlns:r="http://schemas.openxmlformats.org/officeDocument/2006/relationships" xmlns:p="http://schemas.openxmlformats.org/presentationml/2006/main">
+  <p:cSld>
+    <p:spTree>
+      <p:nvGrpSpPr>
+        <p:cNvPr id="1" name=""/>
+        <p:cNvGrpSpPr/>
+        <p:nvPr/>
+      </p:nvGrpSpPr>
+      <p:grpSpPr>
+        <a:xfrm>
+          <a:off x="0" y="0"/>
+          <a:ext cx="0" cy="0"/>
+          <a:chOff x="0" y="0"/>
+          <a:chExt cx="0" cy="0"/>
+        </a:xfrm>
+      </p:grpSpPr>
+      <p:sp>
+        <p:nvSpPr>
+          <p:cNvPr id="2" name="Title 1"/>
+          <p:cNvSpPr>
+            <a:spLocks noGrp="1"/>
+          </p:cNvSpPr>
+          <p:nvPr>
+            <p:ph type="title"/>
+          </p:nvPr>
+        </p:nvSpPr>
+        <p:spPr/>
+        <p:txBody>
+          <a:bodyPr/>
+          <a:lstStyle/>
+          <a:p>
+            <a:r>
+              <a:rPr lang="en-US" dirty="0" smtClean="0"/>
+              <a:t>Best Practices</a:t>
+            </a:r>
+            <a:endParaRPr lang="en-GB" dirty="0"/>
+          </a:p>
+        </p:txBody>
+      </p:sp>
+      <p:sp>
+        <p:nvSpPr>
+          <p:cNvPr id="3" name="Content Placeholder 2"/>
+          <p:cNvSpPr>
+            <a:spLocks noGrp="1"/>
+          </p:cNvSpPr>
+          <p:nvPr>
+            <p:ph idx="1"/>
+          </p:nvPr>
+        </p:nvSpPr>
+        <p:spPr/>
+        <p:txBody>
+          <a:bodyPr/>
+          <a:lstStyle/>
+          <a:p>
+            <a:pPr>
+              <a:lnSpc>
+                <a:spcPct val="150000"/>
+              </a:lnSpc>
+            </a:pPr>
+            <a:r>
+              <a:rPr lang="en-US" dirty="0" smtClean="0"/>
+              <a:t>Include only what you need.</a:t>
+            </a:r>
+          </a:p>
+          <a:p>
+            <a:pPr>
+              <a:lnSpc>
+                <a:spcPct val="150000"/>
+              </a:lnSpc>
+            </a:pPr>
+            <a:r>
+              <a:rPr lang="en-US" dirty="0" err="1" smtClean="0"/>
+              <a:t>Seperate</a:t>
+            </a:r>
+            <a:r>
+              <a:rPr lang="en-US" dirty="0" smtClean="0"/>
+              <a:t> </a:t>
+            </a:r>
+            <a:r>
+              <a:rPr lang="en-US" dirty="0" err="1" smtClean="0"/>
+              <a:t>js</a:t>
+            </a:r>
+            <a:r>
+              <a:rPr lang="en-US" dirty="0" smtClean="0"/>
+              <a:t> files are available for each widgets.</a:t>
+            </a:r>
+          </a:p>
+          <a:p>
+            <a:pPr>
+              <a:lnSpc>
+                <a:spcPct val="150000"/>
+              </a:lnSpc>
+            </a:pPr>
+            <a:r>
+              <a:rPr lang="en-US" dirty="0" smtClean="0"/>
+              <a:t>Avoid registering duplicate scripts.</a:t>
+            </a:r>
+          </a:p>
+          <a:p>
+            <a:pPr>
+              <a:lnSpc>
+                <a:spcPct val="150000"/>
+              </a:lnSpc>
+            </a:pPr>
+            <a:r>
+              <a:rPr lang="en-US" dirty="0" smtClean="0"/>
+              <a:t>Pick right combined script based on your project.</a:t>
+            </a:r>
+          </a:p>
+          <a:p>
+            <a:pPr lvl="1">
+              <a:lnSpc>
+                <a:spcPct val="150000"/>
+              </a:lnSpc>
+            </a:pPr>
+            <a:r>
+              <a:rPr lang="en-US" dirty="0"/>
+              <a:t>k</a:t>
+            </a:r>
+            <a:r>
+              <a:rPr lang="en-US" dirty="0" smtClean="0"/>
+              <a:t>endo.web.min.js -&gt; core framework, desktop browser widgets</a:t>
+            </a:r>
+          </a:p>
+          <a:p>
+            <a:pPr lvl="1">
+              <a:lnSpc>
+                <a:spcPct val="150000"/>
+              </a:lnSpc>
+            </a:pPr>
+            <a:r>
+              <a:rPr lang="en-US" dirty="0" smtClean="0"/>
+              <a:t>kendo.dataviz.min.js -&gt; core framework, data </a:t>
+            </a:r>
+            <a:r>
+              <a:rPr lang="en-US" dirty="0" err="1" smtClean="0"/>
+              <a:t>viz</a:t>
+            </a:r>
+            <a:r>
+              <a:rPr lang="en-US" dirty="0" smtClean="0"/>
+              <a:t> widgets</a:t>
+            </a:r>
+          </a:p>
+          <a:p>
+            <a:pPr lvl="1">
+              <a:lnSpc>
+                <a:spcPct val="150000"/>
+              </a:lnSpc>
+            </a:pPr>
+            <a:r>
+              <a:rPr lang="en-US" dirty="0" smtClean="0"/>
+              <a:t>kendo.mobile.min.js - &gt; core framework, mobile specific widgets</a:t>
+            </a:r>
+          </a:p>
+          <a:p>
+            <a:pPr marL="342900" lvl="1">
+              <a:lnSpc>
+                <a:spcPct val="150000"/>
+              </a:lnSpc>
+              <a:buClr>
+                <a:schemeClr val="accent1"/>
+              </a:buClr>
+            </a:pPr>
+            <a:r>
+              <a:rPr lang="en-US" sz="2200" dirty="0"/>
+              <a:t>Use Download builder for custom combined script</a:t>
+            </a:r>
+          </a:p>
+          <a:p>
+            <a:endParaRPr lang="en-GB" dirty="0"/>
+          </a:p>
+        </p:txBody>
+      </p:sp>
+    </p:spTree>
+    <p:extLst>
+      <p:ext uri="{BB962C8B-B14F-4D97-AF65-F5344CB8AC3E}">
+        <p14:creationId xmlns:p14="http://schemas.microsoft.com/office/powerpoint/2010/main" val="4075919580"/>
+      </p:ext>
+    </p:extLst>
+  </p:cSld>
+  <p:clrMapOvr>
+    <a:masterClrMapping/>
+  </p:clrMapOvr>
 </p:sld>
 </file>
 

--- a/html/Kendo UI.pptx
+++ b/html/Kendo UI.pptx
@@ -5,7 +5,7 @@
     <p:sldMasterId id="2147483708" r:id="rId1"/>
   </p:sldMasterIdLst>
   <p:notesMasterIdLst>
-    <p:notesMasterId r:id="rId13"/>
+    <p:notesMasterId r:id="rId15"/>
   </p:notesMasterIdLst>
   <p:sldIdLst>
     <p:sldId id="259" r:id="rId2"/>
@@ -19,6 +19,8 @@
     <p:sldId id="265" r:id="rId10"/>
     <p:sldId id="266" r:id="rId11"/>
     <p:sldId id="267" r:id="rId12"/>
+    <p:sldId id="268" r:id="rId13"/>
+    <p:sldId id="269" r:id="rId14"/>
   </p:sldIdLst>
   <p:sldSz cx="9144000" cy="6858000" type="screen4x3"/>
   <p:notesSz cx="6858000" cy="9144000"/>
@@ -202,7 +204,7 @@
           <a:p>
             <a:fld id="{A3EEF1FE-4C3E-4A42-AC59-1D96E84B9F9E}" type="datetimeFigureOut">
               <a:rPr lang="en-GB" smtClean="0"/>
-              <a:t>08/02/2015</a:t>
+              <a:t>11/02/2015</a:t>
             </a:fld>
             <a:endParaRPr lang="en-GB"/>
           </a:p>
@@ -675,6 +677,140 @@
 </p:notes>
 </file>
 
+<file path=ppt/notesSlides/notesSlide11.xml><?xml version="1.0" encoding="utf-8"?>
+<p:notes xmlns:a="http://schemas.openxmlformats.org/drawingml/2006/main" xmlns:r="http://schemas.openxmlformats.org/officeDocument/2006/relationships" xmlns:p="http://schemas.openxmlformats.org/presentationml/2006/main">
+  <p:cSld>
+    <p:spTree>
+      <p:nvGrpSpPr>
+        <p:cNvPr id="1" name=""/>
+        <p:cNvGrpSpPr/>
+        <p:nvPr/>
+      </p:nvGrpSpPr>
+      <p:grpSpPr>
+        <a:xfrm>
+          <a:off x="0" y="0"/>
+          <a:ext cx="0" cy="0"/>
+          <a:chOff x="0" y="0"/>
+          <a:chExt cx="0" cy="0"/>
+        </a:xfrm>
+      </p:grpSpPr>
+      <p:sp>
+        <p:nvSpPr>
+          <p:cNvPr id="2" name="Slide Image Placeholder 1"/>
+          <p:cNvSpPr>
+            <a:spLocks noGrp="1" noRot="1" noChangeAspect="1"/>
+          </p:cNvSpPr>
+          <p:nvPr>
+            <p:ph type="sldImg"/>
+          </p:nvPr>
+        </p:nvSpPr>
+        <p:spPr/>
+      </p:sp>
+      <p:sp>
+        <p:nvSpPr>
+          <p:cNvPr id="3" name="Notes Placeholder 2"/>
+          <p:cNvSpPr>
+            <a:spLocks noGrp="1"/>
+          </p:cNvSpPr>
+          <p:nvPr>
+            <p:ph type="body" idx="1"/>
+          </p:nvPr>
+        </p:nvSpPr>
+        <p:spPr/>
+        <p:txBody>
+          <a:bodyPr/>
+          <a:lstStyle/>
+          <a:p>
+            <a:r>
+              <a:rPr lang="en-GB" dirty="0" smtClean="0"/>
+              <a:t>Supports</a:t>
+            </a:r>
+            <a:r>
+              <a:rPr lang="en-GB" baseline="0" dirty="0" smtClean="0"/>
+              <a:t> the above series types</a:t>
+            </a:r>
+          </a:p>
+          <a:p>
+            <a:r>
+              <a:rPr lang="en-US" sz="1200" b="0" i="0" kern="1200" dirty="0" smtClean="0">
+                <a:solidFill>
+                  <a:schemeClr val="tx1"/>
+                </a:solidFill>
+                <a:effectLst/>
+                <a:latin typeface="+mn-lt"/>
+                <a:ea typeface="+mn-ea"/>
+                <a:cs typeface="+mn-cs"/>
+              </a:rPr>
+              <a:t>The Chart widget uses modern browser technologies to render high-quality data visualizations. All graphics are rendered on the client using SVG with a fallback to Canvas and VML.	</a:t>
+            </a:r>
+          </a:p>
+          <a:p>
+            <a:r>
+              <a:rPr lang="en-US" sz="1200" b="0" i="0" kern="1200" dirty="0" smtClean="0">
+                <a:solidFill>
+                  <a:schemeClr val="tx1"/>
+                </a:solidFill>
+                <a:effectLst/>
+                <a:latin typeface="+mn-lt"/>
+                <a:ea typeface="+mn-ea"/>
+                <a:cs typeface="+mn-cs"/>
+              </a:rPr>
+              <a:t>can visualize series bound to both local and remote data.</a:t>
+            </a:r>
+          </a:p>
+          <a:p>
+            <a:r>
+              <a:rPr lang="en-US" sz="1200" b="0" i="0" kern="1200" smtClean="0">
+                <a:solidFill>
+                  <a:schemeClr val="tx1"/>
+                </a:solidFill>
+                <a:effectLst/>
+                <a:latin typeface="+mn-lt"/>
+                <a:ea typeface="+mn-ea"/>
+                <a:cs typeface="+mn-cs"/>
+              </a:rPr>
+              <a:t>XY charts such as Scatter and Scatter Line use one or more X and Y axes</a:t>
+            </a:r>
+            <a:endParaRPr lang="en-US" dirty="0"/>
+          </a:p>
+        </p:txBody>
+      </p:sp>
+      <p:sp>
+        <p:nvSpPr>
+          <p:cNvPr id="4" name="Slide Number Placeholder 3"/>
+          <p:cNvSpPr>
+            <a:spLocks noGrp="1"/>
+          </p:cNvSpPr>
+          <p:nvPr>
+            <p:ph type="sldNum" sz="quarter" idx="10"/>
+          </p:nvPr>
+        </p:nvSpPr>
+        <p:spPr/>
+        <p:txBody>
+          <a:bodyPr/>
+          <a:lstStyle/>
+          <a:p>
+            <a:fld id="{DC2CACC7-154D-45B0-B133-967779606221}" type="slidenum">
+              <a:rPr lang="en-GB" smtClean="0"/>
+              <a:t>13</a:t>
+            </a:fld>
+            <a:endParaRPr lang="en-GB"/>
+          </a:p>
+        </p:txBody>
+      </p:sp>
+    </p:spTree>
+    <p:extLst>
+      <p:ext uri="{BB962C8B-B14F-4D97-AF65-F5344CB8AC3E}">
+        <p14:creationId xmlns:p14="http://schemas.microsoft.com/office/powerpoint/2010/main" val="1251524091"/>
+      </p:ext>
+    </p:extLst>
+  </p:cSld>
+  <p:clrMapOvr>
+    <a:masterClrMapping/>
+  </p:clrMapOvr>
+</p:notes>
+</file>
+
 <file path=ppt/notesSlides/notesSlide2.xml><?xml version="1.0" encoding="utf-8"?>
 <p:notes xmlns:a="http://schemas.openxmlformats.org/drawingml/2006/main" xmlns:r="http://schemas.openxmlformats.org/officeDocument/2006/relationships" xmlns:p="http://schemas.openxmlformats.org/presentationml/2006/main">
   <p:cSld>
@@ -1025,11 +1161,7 @@
             </a:pPr>
             <a:r>
               <a:rPr lang="en-US" baseline="0" dirty="0" smtClean="0"/>
-              <a:t>PHP </a:t>
-            </a:r>
-            <a:r>
-              <a:rPr lang="en-US" baseline="0" dirty="0" smtClean="0"/>
-              <a:t>available for web and data </a:t>
+              <a:t>PHP available for web and data </a:t>
             </a:r>
             <a:r>
               <a:rPr lang="en-US" baseline="0" dirty="0" err="1" smtClean="0"/>
@@ -1799,7 +1931,7 @@
           <a:p>
             <a:fld id="{2BE96B4E-485B-4011-B172-D2B8261A77C4}" type="datetimeFigureOut">
               <a:rPr lang="en-GB" smtClean="0"/>
-              <a:t>08/02/2015</a:t>
+              <a:t>11/02/2015</a:t>
             </a:fld>
             <a:endParaRPr lang="en-GB"/>
           </a:p>
@@ -1964,7 +2096,7 @@
           <a:p>
             <a:fld id="{2BE96B4E-485B-4011-B172-D2B8261A77C4}" type="datetimeFigureOut">
               <a:rPr lang="en-GB" smtClean="0"/>
-              <a:t>08/02/2015</a:t>
+              <a:t>11/02/2015</a:t>
             </a:fld>
             <a:endParaRPr lang="en-GB"/>
           </a:p>
@@ -2139,7 +2271,7 @@
           <a:p>
             <a:fld id="{2BE96B4E-485B-4011-B172-D2B8261A77C4}" type="datetimeFigureOut">
               <a:rPr lang="en-GB" smtClean="0"/>
-              <a:t>08/02/2015</a:t>
+              <a:t>11/02/2015</a:t>
             </a:fld>
             <a:endParaRPr lang="en-GB"/>
           </a:p>
@@ -2304,7 +2436,7 @@
           <a:p>
             <a:fld id="{2BE96B4E-485B-4011-B172-D2B8261A77C4}" type="datetimeFigureOut">
               <a:rPr lang="en-GB" smtClean="0"/>
-              <a:t>08/02/2015</a:t>
+              <a:t>11/02/2015</a:t>
             </a:fld>
             <a:endParaRPr lang="en-GB"/>
           </a:p>
@@ -2552,7 +2684,7 @@
           <a:p>
             <a:fld id="{2BE96B4E-485B-4011-B172-D2B8261A77C4}" type="datetimeFigureOut">
               <a:rPr lang="en-GB" smtClean="0"/>
-              <a:t>08/02/2015</a:t>
+              <a:t>11/02/2015</a:t>
             </a:fld>
             <a:endParaRPr lang="en-GB"/>
           </a:p>
@@ -2835,7 +2967,7 @@
           <a:p>
             <a:fld id="{2BE96B4E-485B-4011-B172-D2B8261A77C4}" type="datetimeFigureOut">
               <a:rPr lang="en-GB" smtClean="0"/>
-              <a:t>08/02/2015</a:t>
+              <a:t>11/02/2015</a:t>
             </a:fld>
             <a:endParaRPr lang="en-GB"/>
           </a:p>
@@ -3264,7 +3396,7 @@
           <a:p>
             <a:fld id="{2BE96B4E-485B-4011-B172-D2B8261A77C4}" type="datetimeFigureOut">
               <a:rPr lang="en-GB" smtClean="0"/>
-              <a:t>08/02/2015</a:t>
+              <a:t>11/02/2015</a:t>
             </a:fld>
             <a:endParaRPr lang="en-GB"/>
           </a:p>
@@ -3377,7 +3509,7 @@
           <a:p>
             <a:fld id="{2BE96B4E-485B-4011-B172-D2B8261A77C4}" type="datetimeFigureOut">
               <a:rPr lang="en-GB" smtClean="0"/>
-              <a:t>08/02/2015</a:t>
+              <a:t>11/02/2015</a:t>
             </a:fld>
             <a:endParaRPr lang="en-GB"/>
           </a:p>
@@ -3467,7 +3599,7 @@
           <a:p>
             <a:fld id="{2BE96B4E-485B-4011-B172-D2B8261A77C4}" type="datetimeFigureOut">
               <a:rPr lang="en-GB" smtClean="0"/>
-              <a:t>08/02/2015</a:t>
+              <a:t>11/02/2015</a:t>
             </a:fld>
             <a:endParaRPr lang="en-GB"/>
           </a:p>
@@ -3656,7 +3788,7 @@
           <a:p>
             <a:fld id="{2BE96B4E-485B-4011-B172-D2B8261A77C4}" type="datetimeFigureOut">
               <a:rPr lang="en-GB" smtClean="0"/>
-              <a:t>08/02/2015</a:t>
+              <a:t>11/02/2015</a:t>
             </a:fld>
             <a:endParaRPr lang="en-GB"/>
           </a:p>
@@ -3974,7 +4106,7 @@
           <a:p>
             <a:fld id="{2BE96B4E-485B-4011-B172-D2B8261A77C4}" type="datetimeFigureOut">
               <a:rPr lang="en-GB" smtClean="0"/>
-              <a:t>08/02/2015</a:t>
+              <a:t>11/02/2015</a:t>
             </a:fld>
             <a:endParaRPr lang="en-GB"/>
           </a:p>
@@ -4353,7 +4485,7 @@
           <a:p>
             <a:fld id="{2BE96B4E-485B-4011-B172-D2B8261A77C4}" type="datetimeFigureOut">
               <a:rPr lang="en-GB" smtClean="0"/>
-              <a:t>08/02/2015</a:t>
+              <a:t>11/02/2015</a:t>
             </a:fld>
             <a:endParaRPr lang="en-GB"/>
           </a:p>
@@ -4948,6 +5080,204 @@
 </p:sld>
 </file>
 
+<file path=ppt/slides/slide12.xml><?xml version="1.0" encoding="utf-8"?>
+<p:sld xmlns:a="http://schemas.openxmlformats.org/drawingml/2006/main" xmlns:r="http://schemas.openxmlformats.org/officeDocument/2006/relationships" xmlns:p="http://schemas.openxmlformats.org/presentationml/2006/main">
+  <p:cSld>
+    <p:spTree>
+      <p:nvGrpSpPr>
+        <p:cNvPr id="1" name=""/>
+        <p:cNvGrpSpPr/>
+        <p:nvPr/>
+      </p:nvGrpSpPr>
+      <p:grpSpPr>
+        <a:xfrm>
+          <a:off x="0" y="0"/>
+          <a:ext cx="0" cy="0"/>
+          <a:chOff x="0" y="0"/>
+          <a:chExt cx="0" cy="0"/>
+        </a:xfrm>
+      </p:grpSpPr>
+      <p:sp>
+        <p:nvSpPr>
+          <p:cNvPr id="6" name="Title 5"/>
+          <p:cNvSpPr>
+            <a:spLocks noGrp="1"/>
+          </p:cNvSpPr>
+          <p:nvPr>
+            <p:ph type="title"/>
+          </p:nvPr>
+        </p:nvSpPr>
+        <p:spPr/>
+        <p:txBody>
+          <a:bodyPr/>
+          <a:lstStyle/>
+          <a:p>
+            <a:r>
+              <a:rPr lang="en-GB" dirty="0" smtClean="0"/>
+              <a:t>Data Visualization</a:t>
+            </a:r>
+            <a:endParaRPr lang="en-US" dirty="0"/>
+          </a:p>
+        </p:txBody>
+      </p:sp>
+      <p:sp>
+        <p:nvSpPr>
+          <p:cNvPr id="7" name="Content Placeholder 6"/>
+          <p:cNvSpPr>
+            <a:spLocks noGrp="1"/>
+          </p:cNvSpPr>
+          <p:nvPr>
+            <p:ph idx="1"/>
+          </p:nvPr>
+        </p:nvSpPr>
+        <p:spPr/>
+        <p:txBody>
+          <a:bodyPr/>
+          <a:lstStyle/>
+          <a:p>
+            <a:endParaRPr lang="en-US"/>
+          </a:p>
+        </p:txBody>
+      </p:sp>
+    </p:spTree>
+    <p:extLst>
+      <p:ext uri="{BB962C8B-B14F-4D97-AF65-F5344CB8AC3E}">
+        <p14:creationId xmlns:p14="http://schemas.microsoft.com/office/powerpoint/2010/main" val="2575532285"/>
+      </p:ext>
+    </p:extLst>
+  </p:cSld>
+  <p:clrMapOvr>
+    <a:masterClrMapping/>
+  </p:clrMapOvr>
+</p:sld>
+</file>
+
+<file path=ppt/slides/slide13.xml><?xml version="1.0" encoding="utf-8"?>
+<p:sld xmlns:a="http://schemas.openxmlformats.org/drawingml/2006/main" xmlns:r="http://schemas.openxmlformats.org/officeDocument/2006/relationships" xmlns:p="http://schemas.openxmlformats.org/presentationml/2006/main">
+  <p:cSld>
+    <p:spTree>
+      <p:nvGrpSpPr>
+        <p:cNvPr id="1" name=""/>
+        <p:cNvGrpSpPr/>
+        <p:nvPr/>
+      </p:nvGrpSpPr>
+      <p:grpSpPr>
+        <a:xfrm>
+          <a:off x="0" y="0"/>
+          <a:ext cx="0" cy="0"/>
+          <a:chOff x="0" y="0"/>
+          <a:chExt cx="0" cy="0"/>
+        </a:xfrm>
+      </p:grpSpPr>
+      <p:sp>
+        <p:nvSpPr>
+          <p:cNvPr id="2" name="Title 1"/>
+          <p:cNvSpPr>
+            <a:spLocks noGrp="1"/>
+          </p:cNvSpPr>
+          <p:nvPr>
+            <p:ph type="title"/>
+          </p:nvPr>
+        </p:nvSpPr>
+        <p:spPr/>
+        <p:txBody>
+          <a:bodyPr/>
+          <a:lstStyle/>
+          <a:p>
+            <a:r>
+              <a:rPr lang="en-GB" dirty="0" smtClean="0"/>
+              <a:t>Charts</a:t>
+            </a:r>
+            <a:endParaRPr lang="en-US" dirty="0"/>
+          </a:p>
+        </p:txBody>
+      </p:sp>
+      <p:sp>
+        <p:nvSpPr>
+          <p:cNvPr id="3" name="Content Placeholder 2"/>
+          <p:cNvSpPr>
+            <a:spLocks noGrp="1"/>
+          </p:cNvSpPr>
+          <p:nvPr>
+            <p:ph idx="1"/>
+          </p:nvPr>
+        </p:nvSpPr>
+        <p:spPr/>
+        <p:txBody>
+          <a:bodyPr/>
+          <a:lstStyle/>
+          <a:p>
+            <a:r>
+              <a:rPr lang="en-US" dirty="0"/>
+              <a:t>Bar and Column</a:t>
+            </a:r>
+          </a:p>
+          <a:p>
+            <a:r>
+              <a:rPr lang="en-US" dirty="0"/>
+              <a:t>Line and Vertical Line</a:t>
+            </a:r>
+          </a:p>
+          <a:p>
+            <a:r>
+              <a:rPr lang="en-US" dirty="0"/>
+              <a:t>Area and Vertical Area</a:t>
+            </a:r>
+          </a:p>
+          <a:p>
+            <a:r>
+              <a:rPr lang="en-US" dirty="0"/>
+              <a:t>Bullet</a:t>
+            </a:r>
+          </a:p>
+          <a:p>
+            <a:r>
+              <a:rPr lang="en-US" dirty="0"/>
+              <a:t>Pie and Donut</a:t>
+            </a:r>
+          </a:p>
+          <a:p>
+            <a:r>
+              <a:rPr lang="en-US" dirty="0"/>
+              <a:t>Scatter</a:t>
+            </a:r>
+          </a:p>
+          <a:p>
+            <a:r>
+              <a:rPr lang="en-US" dirty="0"/>
+              <a:t>Scatter Line</a:t>
+            </a:r>
+          </a:p>
+          <a:p>
+            <a:r>
+              <a:rPr lang="en-US" dirty="0"/>
+              <a:t>Bubble</a:t>
+            </a:r>
+          </a:p>
+          <a:p>
+            <a:r>
+              <a:rPr lang="en-US" dirty="0"/>
+              <a:t>Radar and Polar</a:t>
+            </a:r>
+          </a:p>
+          <a:p>
+            <a:endParaRPr lang="en-US" dirty="0"/>
+          </a:p>
+        </p:txBody>
+      </p:sp>
+    </p:spTree>
+    <p:extLst>
+      <p:ext uri="{BB962C8B-B14F-4D97-AF65-F5344CB8AC3E}">
+        <p14:creationId xmlns:p14="http://schemas.microsoft.com/office/powerpoint/2010/main" val="3774403121"/>
+      </p:ext>
+    </p:extLst>
+  </p:cSld>
+  <p:clrMapOvr>
+    <a:masterClrMapping/>
+  </p:clrMapOvr>
+</p:sld>
+</file>
+
 <file path=ppt/slides/slide2.xml><?xml version="1.0" encoding="utf-8"?>
 <p:sld xmlns:a="http://schemas.openxmlformats.org/drawingml/2006/main" xmlns:r="http://schemas.openxmlformats.org/officeDocument/2006/relationships" xmlns:p="http://schemas.openxmlformats.org/presentationml/2006/main">
   <p:cSld>
@@ -5023,7 +5353,6 @@
               <a:rPr lang="en-US" dirty="0" smtClean="0"/>
               <a:t>Overview</a:t>
             </a:r>
-            <a:endParaRPr lang="en-US" dirty="0" smtClean="0"/>
           </a:p>
           <a:p>
             <a:pPr>
@@ -5057,7 +5386,6 @@
               <a:rPr lang="en-US" dirty="0" smtClean="0"/>
               <a:t>Support</a:t>
             </a:r>
-            <a:endParaRPr lang="en-US" dirty="0" smtClean="0"/>
           </a:p>
           <a:p>
             <a:pPr>
